--- a/feature.pptx
+++ b/feature.pptx
@@ -5,7 +5,8 @@
     <p:sldMasterId id="2147483648" r:id="rId1"/>
   </p:sldMasterIdLst>
   <p:sldIdLst>
-    <p:sldId id="257" r:id="rId2"/>
+    <p:sldId id="256" r:id="rId2"/>
+    <p:sldId id="257" r:id="rId3"/>
   </p:sldIdLst>
   <p:sldSz cx="12192000" cy="6858000"/>
   <p:notesSz cx="6858000" cy="9144000"/>
@@ -236,9 +237,9 @@
           <a:bodyPr/>
           <a:lstStyle/>
           <a:p>
-            <a:fld id="{1BB955AE-A86D-FC48-B1DB-B54B5764C288}" type="datetimeFigureOut">
-              <a:rPr lang="en-US" smtClean="0"/>
-              <a:t>4/12/18</a:t>
+            <a:fld id="{A5FC7980-5F45-5D44-BEFA-1577C1FCB50D}" type="datetimeFigureOut">
+              <a:rPr lang="en-US" smtClean="0"/>
+              <a:t>4/27/18</a:t>
             </a:fld>
             <a:endParaRPr lang="en-US"/>
           </a:p>
@@ -278,7 +279,7 @@
           <a:bodyPr/>
           <a:lstStyle/>
           <a:p>
-            <a:fld id="{E7F84D26-0C24-7D42-9325-BF51EC96D28A}" type="slidenum">
+            <a:fld id="{0E973ADA-43EA-E242-99CA-0035A6DDB837}" type="slidenum">
               <a:rPr lang="en-US" smtClean="0"/>
               <a:t>‹#›</a:t>
             </a:fld>
@@ -289,7 +290,7 @@
     </p:spTree>
     <p:extLst>
       <p:ext uri="{BB962C8B-B14F-4D97-AF65-F5344CB8AC3E}">
-        <p14:creationId xmlns:p14="http://schemas.microsoft.com/office/powerpoint/2010/main" val="1656938076"/>
+        <p14:creationId xmlns:p14="http://schemas.microsoft.com/office/powerpoint/2010/main" val="1252848269"/>
       </p:ext>
     </p:extLst>
   </p:cSld>
@@ -406,9 +407,9 @@
           <a:bodyPr/>
           <a:lstStyle/>
           <a:p>
-            <a:fld id="{1BB955AE-A86D-FC48-B1DB-B54B5764C288}" type="datetimeFigureOut">
-              <a:rPr lang="en-US" smtClean="0"/>
-              <a:t>4/12/18</a:t>
+            <a:fld id="{A5FC7980-5F45-5D44-BEFA-1577C1FCB50D}" type="datetimeFigureOut">
+              <a:rPr lang="en-US" smtClean="0"/>
+              <a:t>4/27/18</a:t>
             </a:fld>
             <a:endParaRPr lang="en-US"/>
           </a:p>
@@ -448,7 +449,7 @@
           <a:bodyPr/>
           <a:lstStyle/>
           <a:p>
-            <a:fld id="{E7F84D26-0C24-7D42-9325-BF51EC96D28A}" type="slidenum">
+            <a:fld id="{0E973ADA-43EA-E242-99CA-0035A6DDB837}" type="slidenum">
               <a:rPr lang="en-US" smtClean="0"/>
               <a:t>‹#›</a:t>
             </a:fld>
@@ -459,7 +460,7 @@
     </p:spTree>
     <p:extLst>
       <p:ext uri="{BB962C8B-B14F-4D97-AF65-F5344CB8AC3E}">
-        <p14:creationId xmlns:p14="http://schemas.microsoft.com/office/powerpoint/2010/main" val="1547544035"/>
+        <p14:creationId xmlns:p14="http://schemas.microsoft.com/office/powerpoint/2010/main" val="408711365"/>
       </p:ext>
     </p:extLst>
   </p:cSld>
@@ -586,9 +587,9 @@
           <a:bodyPr/>
           <a:lstStyle/>
           <a:p>
-            <a:fld id="{1BB955AE-A86D-FC48-B1DB-B54B5764C288}" type="datetimeFigureOut">
-              <a:rPr lang="en-US" smtClean="0"/>
-              <a:t>4/12/18</a:t>
+            <a:fld id="{A5FC7980-5F45-5D44-BEFA-1577C1FCB50D}" type="datetimeFigureOut">
+              <a:rPr lang="en-US" smtClean="0"/>
+              <a:t>4/27/18</a:t>
             </a:fld>
             <a:endParaRPr lang="en-US"/>
           </a:p>
@@ -628,7 +629,7 @@
           <a:bodyPr/>
           <a:lstStyle/>
           <a:p>
-            <a:fld id="{E7F84D26-0C24-7D42-9325-BF51EC96D28A}" type="slidenum">
+            <a:fld id="{0E973ADA-43EA-E242-99CA-0035A6DDB837}" type="slidenum">
               <a:rPr lang="en-US" smtClean="0"/>
               <a:t>‹#›</a:t>
             </a:fld>
@@ -639,7 +640,7 @@
     </p:spTree>
     <p:extLst>
       <p:ext uri="{BB962C8B-B14F-4D97-AF65-F5344CB8AC3E}">
-        <p14:creationId xmlns:p14="http://schemas.microsoft.com/office/powerpoint/2010/main" val="1398147428"/>
+        <p14:creationId xmlns:p14="http://schemas.microsoft.com/office/powerpoint/2010/main" val="1559208449"/>
       </p:ext>
     </p:extLst>
   </p:cSld>
@@ -756,9 +757,9 @@
           <a:bodyPr/>
           <a:lstStyle/>
           <a:p>
-            <a:fld id="{1BB955AE-A86D-FC48-B1DB-B54B5764C288}" type="datetimeFigureOut">
-              <a:rPr lang="en-US" smtClean="0"/>
-              <a:t>4/12/18</a:t>
+            <a:fld id="{A5FC7980-5F45-5D44-BEFA-1577C1FCB50D}" type="datetimeFigureOut">
+              <a:rPr lang="en-US" smtClean="0"/>
+              <a:t>4/27/18</a:t>
             </a:fld>
             <a:endParaRPr lang="en-US"/>
           </a:p>
@@ -798,7 +799,7 @@
           <a:bodyPr/>
           <a:lstStyle/>
           <a:p>
-            <a:fld id="{E7F84D26-0C24-7D42-9325-BF51EC96D28A}" type="slidenum">
+            <a:fld id="{0E973ADA-43EA-E242-99CA-0035A6DDB837}" type="slidenum">
               <a:rPr lang="en-US" smtClean="0"/>
               <a:t>‹#›</a:t>
             </a:fld>
@@ -809,7 +810,7 @@
     </p:spTree>
     <p:extLst>
       <p:ext uri="{BB962C8B-B14F-4D97-AF65-F5344CB8AC3E}">
-        <p14:creationId xmlns:p14="http://schemas.microsoft.com/office/powerpoint/2010/main" val="1737792683"/>
+        <p14:creationId xmlns:p14="http://schemas.microsoft.com/office/powerpoint/2010/main" val="543698248"/>
       </p:ext>
     </p:extLst>
   </p:cSld>
@@ -1002,9 +1003,9 @@
           <a:bodyPr/>
           <a:lstStyle/>
           <a:p>
-            <a:fld id="{1BB955AE-A86D-FC48-B1DB-B54B5764C288}" type="datetimeFigureOut">
-              <a:rPr lang="en-US" smtClean="0"/>
-              <a:t>4/12/18</a:t>
+            <a:fld id="{A5FC7980-5F45-5D44-BEFA-1577C1FCB50D}" type="datetimeFigureOut">
+              <a:rPr lang="en-US" smtClean="0"/>
+              <a:t>4/27/18</a:t>
             </a:fld>
             <a:endParaRPr lang="en-US"/>
           </a:p>
@@ -1044,7 +1045,7 @@
           <a:bodyPr/>
           <a:lstStyle/>
           <a:p>
-            <a:fld id="{E7F84D26-0C24-7D42-9325-BF51EC96D28A}" type="slidenum">
+            <a:fld id="{0E973ADA-43EA-E242-99CA-0035A6DDB837}" type="slidenum">
               <a:rPr lang="en-US" smtClean="0"/>
               <a:t>‹#›</a:t>
             </a:fld>
@@ -1055,7 +1056,7 @@
     </p:spTree>
     <p:extLst>
       <p:ext uri="{BB962C8B-B14F-4D97-AF65-F5344CB8AC3E}">
-        <p14:creationId xmlns:p14="http://schemas.microsoft.com/office/powerpoint/2010/main" val="1304023981"/>
+        <p14:creationId xmlns:p14="http://schemas.microsoft.com/office/powerpoint/2010/main" val="393536151"/>
       </p:ext>
     </p:extLst>
   </p:cSld>
@@ -1234,9 +1235,9 @@
           <a:bodyPr/>
           <a:lstStyle/>
           <a:p>
-            <a:fld id="{1BB955AE-A86D-FC48-B1DB-B54B5764C288}" type="datetimeFigureOut">
-              <a:rPr lang="en-US" smtClean="0"/>
-              <a:t>4/12/18</a:t>
+            <a:fld id="{A5FC7980-5F45-5D44-BEFA-1577C1FCB50D}" type="datetimeFigureOut">
+              <a:rPr lang="en-US" smtClean="0"/>
+              <a:t>4/27/18</a:t>
             </a:fld>
             <a:endParaRPr lang="en-US"/>
           </a:p>
@@ -1276,7 +1277,7 @@
           <a:bodyPr/>
           <a:lstStyle/>
           <a:p>
-            <a:fld id="{E7F84D26-0C24-7D42-9325-BF51EC96D28A}" type="slidenum">
+            <a:fld id="{0E973ADA-43EA-E242-99CA-0035A6DDB837}" type="slidenum">
               <a:rPr lang="en-US" smtClean="0"/>
               <a:t>‹#›</a:t>
             </a:fld>
@@ -1287,7 +1288,7 @@
     </p:spTree>
     <p:extLst>
       <p:ext uri="{BB962C8B-B14F-4D97-AF65-F5344CB8AC3E}">
-        <p14:creationId xmlns:p14="http://schemas.microsoft.com/office/powerpoint/2010/main" val="1660431032"/>
+        <p14:creationId xmlns:p14="http://schemas.microsoft.com/office/powerpoint/2010/main" val="2059940744"/>
       </p:ext>
     </p:extLst>
   </p:cSld>
@@ -1601,9 +1602,9 @@
           <a:bodyPr/>
           <a:lstStyle/>
           <a:p>
-            <a:fld id="{1BB955AE-A86D-FC48-B1DB-B54B5764C288}" type="datetimeFigureOut">
-              <a:rPr lang="en-US" smtClean="0"/>
-              <a:t>4/12/18</a:t>
+            <a:fld id="{A5FC7980-5F45-5D44-BEFA-1577C1FCB50D}" type="datetimeFigureOut">
+              <a:rPr lang="en-US" smtClean="0"/>
+              <a:t>4/27/18</a:t>
             </a:fld>
             <a:endParaRPr lang="en-US"/>
           </a:p>
@@ -1643,7 +1644,7 @@
           <a:bodyPr/>
           <a:lstStyle/>
           <a:p>
-            <a:fld id="{E7F84D26-0C24-7D42-9325-BF51EC96D28A}" type="slidenum">
+            <a:fld id="{0E973ADA-43EA-E242-99CA-0035A6DDB837}" type="slidenum">
               <a:rPr lang="en-US" smtClean="0"/>
               <a:t>‹#›</a:t>
             </a:fld>
@@ -1654,7 +1655,7 @@
     </p:spTree>
     <p:extLst>
       <p:ext uri="{BB962C8B-B14F-4D97-AF65-F5344CB8AC3E}">
-        <p14:creationId xmlns:p14="http://schemas.microsoft.com/office/powerpoint/2010/main" val="314362059"/>
+        <p14:creationId xmlns:p14="http://schemas.microsoft.com/office/powerpoint/2010/main" val="1840211121"/>
       </p:ext>
     </p:extLst>
   </p:cSld>
@@ -1719,9 +1720,9 @@
           <a:bodyPr/>
           <a:lstStyle/>
           <a:p>
-            <a:fld id="{1BB955AE-A86D-FC48-B1DB-B54B5764C288}" type="datetimeFigureOut">
-              <a:rPr lang="en-US" smtClean="0"/>
-              <a:t>4/12/18</a:t>
+            <a:fld id="{A5FC7980-5F45-5D44-BEFA-1577C1FCB50D}" type="datetimeFigureOut">
+              <a:rPr lang="en-US" smtClean="0"/>
+              <a:t>4/27/18</a:t>
             </a:fld>
             <a:endParaRPr lang="en-US"/>
           </a:p>
@@ -1761,7 +1762,7 @@
           <a:bodyPr/>
           <a:lstStyle/>
           <a:p>
-            <a:fld id="{E7F84D26-0C24-7D42-9325-BF51EC96D28A}" type="slidenum">
+            <a:fld id="{0E973ADA-43EA-E242-99CA-0035A6DDB837}" type="slidenum">
               <a:rPr lang="en-US" smtClean="0"/>
               <a:t>‹#›</a:t>
             </a:fld>
@@ -1772,7 +1773,7 @@
     </p:spTree>
     <p:extLst>
       <p:ext uri="{BB962C8B-B14F-4D97-AF65-F5344CB8AC3E}">
-        <p14:creationId xmlns:p14="http://schemas.microsoft.com/office/powerpoint/2010/main" val="673353993"/>
+        <p14:creationId xmlns:p14="http://schemas.microsoft.com/office/powerpoint/2010/main" val="368826553"/>
       </p:ext>
     </p:extLst>
   </p:cSld>
@@ -1814,9 +1815,9 @@
           <a:bodyPr/>
           <a:lstStyle/>
           <a:p>
-            <a:fld id="{1BB955AE-A86D-FC48-B1DB-B54B5764C288}" type="datetimeFigureOut">
-              <a:rPr lang="en-US" smtClean="0"/>
-              <a:t>4/12/18</a:t>
+            <a:fld id="{A5FC7980-5F45-5D44-BEFA-1577C1FCB50D}" type="datetimeFigureOut">
+              <a:rPr lang="en-US" smtClean="0"/>
+              <a:t>4/27/18</a:t>
             </a:fld>
             <a:endParaRPr lang="en-US"/>
           </a:p>
@@ -1856,7 +1857,7 @@
           <a:bodyPr/>
           <a:lstStyle/>
           <a:p>
-            <a:fld id="{E7F84D26-0C24-7D42-9325-BF51EC96D28A}" type="slidenum">
+            <a:fld id="{0E973ADA-43EA-E242-99CA-0035A6DDB837}" type="slidenum">
               <a:rPr lang="en-US" smtClean="0"/>
               <a:t>‹#›</a:t>
             </a:fld>
@@ -1867,7 +1868,7 @@
     </p:spTree>
     <p:extLst>
       <p:ext uri="{BB962C8B-B14F-4D97-AF65-F5344CB8AC3E}">
-        <p14:creationId xmlns:p14="http://schemas.microsoft.com/office/powerpoint/2010/main" val="1969224308"/>
+        <p14:creationId xmlns:p14="http://schemas.microsoft.com/office/powerpoint/2010/main" val="1230071029"/>
       </p:ext>
     </p:extLst>
   </p:cSld>
@@ -2091,9 +2092,9 @@
           <a:bodyPr/>
           <a:lstStyle/>
           <a:p>
-            <a:fld id="{1BB955AE-A86D-FC48-B1DB-B54B5764C288}" type="datetimeFigureOut">
-              <a:rPr lang="en-US" smtClean="0"/>
-              <a:t>4/12/18</a:t>
+            <a:fld id="{A5FC7980-5F45-5D44-BEFA-1577C1FCB50D}" type="datetimeFigureOut">
+              <a:rPr lang="en-US" smtClean="0"/>
+              <a:t>4/27/18</a:t>
             </a:fld>
             <a:endParaRPr lang="en-US"/>
           </a:p>
@@ -2133,7 +2134,7 @@
           <a:bodyPr/>
           <a:lstStyle/>
           <a:p>
-            <a:fld id="{E7F84D26-0C24-7D42-9325-BF51EC96D28A}" type="slidenum">
+            <a:fld id="{0E973ADA-43EA-E242-99CA-0035A6DDB837}" type="slidenum">
               <a:rPr lang="en-US" smtClean="0"/>
               <a:t>‹#›</a:t>
             </a:fld>
@@ -2144,7 +2145,7 @@
     </p:spTree>
     <p:extLst>
       <p:ext uri="{BB962C8B-B14F-4D97-AF65-F5344CB8AC3E}">
-        <p14:creationId xmlns:p14="http://schemas.microsoft.com/office/powerpoint/2010/main" val="1882460639"/>
+        <p14:creationId xmlns:p14="http://schemas.microsoft.com/office/powerpoint/2010/main" val="2126198381"/>
       </p:ext>
     </p:extLst>
   </p:cSld>
@@ -2344,9 +2345,9 @@
           <a:bodyPr/>
           <a:lstStyle/>
           <a:p>
-            <a:fld id="{1BB955AE-A86D-FC48-B1DB-B54B5764C288}" type="datetimeFigureOut">
-              <a:rPr lang="en-US" smtClean="0"/>
-              <a:t>4/12/18</a:t>
+            <a:fld id="{A5FC7980-5F45-5D44-BEFA-1577C1FCB50D}" type="datetimeFigureOut">
+              <a:rPr lang="en-US" smtClean="0"/>
+              <a:t>4/27/18</a:t>
             </a:fld>
             <a:endParaRPr lang="en-US"/>
           </a:p>
@@ -2386,7 +2387,7 @@
           <a:bodyPr/>
           <a:lstStyle/>
           <a:p>
-            <a:fld id="{E7F84D26-0C24-7D42-9325-BF51EC96D28A}" type="slidenum">
+            <a:fld id="{0E973ADA-43EA-E242-99CA-0035A6DDB837}" type="slidenum">
               <a:rPr lang="en-US" smtClean="0"/>
               <a:t>‹#›</a:t>
             </a:fld>
@@ -2397,7 +2398,7 @@
     </p:spTree>
     <p:extLst>
       <p:ext uri="{BB962C8B-B14F-4D97-AF65-F5344CB8AC3E}">
-        <p14:creationId xmlns:p14="http://schemas.microsoft.com/office/powerpoint/2010/main" val="1786872069"/>
+        <p14:creationId xmlns:p14="http://schemas.microsoft.com/office/powerpoint/2010/main" val="888303387"/>
       </p:ext>
     </p:extLst>
   </p:cSld>
@@ -2557,9 +2558,9 @@
             </a:lvl1pPr>
           </a:lstStyle>
           <a:p>
-            <a:fld id="{1BB955AE-A86D-FC48-B1DB-B54B5764C288}" type="datetimeFigureOut">
-              <a:rPr lang="en-US" smtClean="0"/>
-              <a:t>4/12/18</a:t>
+            <a:fld id="{A5FC7980-5F45-5D44-BEFA-1577C1FCB50D}" type="datetimeFigureOut">
+              <a:rPr lang="en-US" smtClean="0"/>
+              <a:t>4/27/18</a:t>
             </a:fld>
             <a:endParaRPr lang="en-US"/>
           </a:p>
@@ -2635,7 +2636,7 @@
             </a:lvl1pPr>
           </a:lstStyle>
           <a:p>
-            <a:fld id="{E7F84D26-0C24-7D42-9325-BF51EC96D28A}" type="slidenum">
+            <a:fld id="{0E973ADA-43EA-E242-99CA-0035A6DDB837}" type="slidenum">
               <a:rPr lang="en-US" smtClean="0"/>
               <a:t>‹#›</a:t>
             </a:fld>
@@ -2646,7 +2647,7 @@
     </p:spTree>
     <p:extLst>
       <p:ext uri="{BB962C8B-B14F-4D97-AF65-F5344CB8AC3E}">
-        <p14:creationId xmlns:p14="http://schemas.microsoft.com/office/powerpoint/2010/main" val="1200910826"/>
+        <p14:creationId xmlns:p14="http://schemas.microsoft.com/office/powerpoint/2010/main" val="1238707641"/>
       </p:ext>
     </p:extLst>
   </p:cSld>
@@ -2964,112 +2965,53 @@
           <a:chExt cx="0" cy="0"/>
         </a:xfrm>
       </p:grpSpPr>
-      <p:sp>
-        <p:nvSpPr>
-          <p:cNvPr id="4" name="Title 1"/>
-          <p:cNvSpPr txBox="1">
-            <a:spLocks/>
-          </p:cNvSpPr>
-          <p:nvPr/>
-        </p:nvSpPr>
-        <p:spPr>
-          <a:xfrm>
-            <a:off x="0" y="0"/>
-            <a:ext cx="10515600" cy="1325563"/>
-          </a:xfrm>
-          <a:prstGeom prst="rect">
-            <a:avLst/>
-          </a:prstGeom>
-        </p:spPr>
-        <p:txBody>
-          <a:bodyPr vert="horz" lIns="91440" tIns="45720" rIns="91440" bIns="45720" rtlCol="0" anchor="ctr">
-            <a:normAutofit/>
-          </a:bodyPr>
-          <a:lstStyle>
-            <a:lvl1pPr algn="l" defTabSz="914400" rtl="0" eaLnBrk="1" latinLnBrk="0" hangingPunct="1">
-              <a:lnSpc>
-                <a:spcPct val="90000"/>
-              </a:lnSpc>
-              <a:spcBef>
-                <a:spcPct val="0"/>
-              </a:spcBef>
-              <a:buNone/>
-              <a:defRPr sz="4400" kern="1200">
-                <a:solidFill>
-                  <a:schemeClr val="tx1"/>
-                </a:solidFill>
-                <a:latin typeface="+mj-lt"/>
-                <a:ea typeface="+mj-ea"/>
-                <a:cs typeface="+mj-cs"/>
-              </a:defRPr>
-            </a:lvl1pPr>
-          </a:lstStyle>
-          <a:p>
-            <a:r>
-              <a:rPr lang="en-US" altLang="zh-CN" dirty="0" smtClean="0">
-                <a:latin typeface="Arial" charset="0"/>
-                <a:ea typeface="Arial" charset="0"/>
-                <a:cs typeface="Arial" charset="0"/>
-              </a:rPr>
-              <a:t>Codebook</a:t>
-            </a:r>
-            <a:r>
-              <a:rPr lang="zh-CN" altLang="en-US" dirty="0" smtClean="0">
-                <a:latin typeface="Arial" charset="0"/>
-                <a:ea typeface="Arial" charset="0"/>
-                <a:cs typeface="Arial" charset="0"/>
-              </a:rPr>
-              <a:t> </a:t>
-            </a:r>
-            <a:r>
-              <a:rPr lang="en-US" altLang="zh-CN" dirty="0" smtClean="0">
-                <a:latin typeface="Arial" charset="0"/>
-                <a:ea typeface="Arial" charset="0"/>
-                <a:cs typeface="Arial" charset="0"/>
-              </a:rPr>
-              <a:t>of</a:t>
-            </a:r>
-            <a:r>
-              <a:rPr lang="zh-CN" altLang="en-US" dirty="0" smtClean="0">
-                <a:latin typeface="Arial" charset="0"/>
-                <a:ea typeface="Arial" charset="0"/>
-                <a:cs typeface="Arial" charset="0"/>
-              </a:rPr>
-              <a:t> </a:t>
-            </a:r>
-            <a:r>
-              <a:rPr lang="en-US" altLang="zh-CN" dirty="0" smtClean="0">
-                <a:latin typeface="Arial" charset="0"/>
-                <a:ea typeface="Arial" charset="0"/>
-                <a:cs typeface="Arial" charset="0"/>
-              </a:rPr>
-              <a:t>RP884</a:t>
-            </a:r>
-            <a:endParaRPr lang="en-US" dirty="0">
-              <a:latin typeface="Arial" charset="0"/>
-              <a:ea typeface="Arial" charset="0"/>
-              <a:cs typeface="Arial" charset="0"/>
-            </a:endParaRPr>
-          </a:p>
-        </p:txBody>
-      </p:sp>
+    </p:spTree>
+    <p:extLst>
+      <p:ext uri="{BB962C8B-B14F-4D97-AF65-F5344CB8AC3E}">
+        <p14:creationId xmlns:p14="http://schemas.microsoft.com/office/powerpoint/2010/main" val="2020941649"/>
+      </p:ext>
+    </p:extLst>
+  </p:cSld>
+  <p:clrMapOvr>
+    <a:masterClrMapping/>
+  </p:clrMapOvr>
+</p:sld>
+</file>
+
+<file path=ppt/slides/slide2.xml><?xml version="1.0" encoding="utf-8"?>
+<p:sld xmlns:a="http://schemas.openxmlformats.org/drawingml/2006/main" xmlns:r="http://schemas.openxmlformats.org/officeDocument/2006/relationships" xmlns:p="http://schemas.openxmlformats.org/presentationml/2006/main">
+  <p:cSld>
+    <p:spTree>
+      <p:nvGrpSpPr>
+        <p:cNvPr id="1" name=""/>
+        <p:cNvGrpSpPr/>
+        <p:nvPr/>
+      </p:nvGrpSpPr>
+      <p:grpSpPr>
+        <a:xfrm>
+          <a:off x="0" y="0"/>
+          <a:ext cx="0" cy="0"/>
+          <a:chOff x="0" y="0"/>
+          <a:chExt cx="0" cy="0"/>
+        </a:xfrm>
+      </p:grpSpPr>
       <p:graphicFrame>
         <p:nvGraphicFramePr>
-          <p:cNvPr id="6" name="Table 5"/>
+          <p:cNvPr id="4" name="Table 3"/>
           <p:cNvGraphicFramePr>
             <a:graphicFrameLocks noGrp="1"/>
           </p:cNvGraphicFramePr>
           <p:nvPr>
             <p:extLst>
               <p:ext uri="{D42A27DB-BD31-4B8C-83A1-F6EECF244321}">
-                <p14:modId xmlns:p14="http://schemas.microsoft.com/office/powerpoint/2010/main" val="1439036310"/>
+                <p14:modId xmlns:p14="http://schemas.microsoft.com/office/powerpoint/2010/main" val="175211395"/>
               </p:ext>
             </p:extLst>
           </p:nvPr>
         </p:nvGraphicFramePr>
         <p:xfrm>
-          <a:off x="969962" y="1090612"/>
-          <a:ext cx="9931400" cy="3324575"/>
+          <a:off x="1497350" y="404736"/>
+          <a:ext cx="10015096" cy="6086006"/>
         </p:xfrm>
         <a:graphic>
           <a:graphicData uri="http://schemas.openxmlformats.org/drawingml/2006/table">
@@ -3078,10 +3020,10 @@
                 <a:tableStyleId>{5C22544A-7EE6-4342-B048-85BDC9FD1C3A}</a:tableStyleId>
               </a:tblPr>
               <a:tblGrid>
-                <a:gridCol w="3016129"/>
-                <a:gridCol w="6915271"/>
+                <a:gridCol w="3041547"/>
+                <a:gridCol w="6973549"/>
               </a:tblGrid>
-              <a:tr h="367589">
+              <a:tr h="595398">
                 <a:tc>
                   <a:txBody>
                     <a:bodyPr/>
@@ -3089,7 +3031,7 @@
                     <a:p>
                       <a:pPr algn="ctr" fontAlgn="t"/>
                       <a:r>
-                        <a:rPr lang="en-US" sz="1800" b="1" u="none" strike="noStrike" dirty="0">
+                        <a:rPr lang="en-US" sz="1600" b="1" u="none" strike="noStrike" dirty="0">
                           <a:ln>
                             <a:noFill/>
                           </a:ln>
@@ -3100,7 +3042,7 @@
                         </a:rPr>
                         <a:t>Variable's Code Name</a:t>
                       </a:r>
-                      <a:endParaRPr lang="en-US" sz="1800" b="1" i="0" u="none" strike="noStrike" dirty="0">
+                      <a:endParaRPr lang="en-US" sz="1600" b="1" i="0" u="none" strike="noStrike" dirty="0">
                         <a:ln>
                           <a:noFill/>
                         </a:ln>
@@ -3166,7 +3108,7 @@
                     <a:p>
                       <a:pPr algn="ctr" fontAlgn="t"/>
                       <a:r>
-                        <a:rPr lang="en-US" sz="1800" b="1" u="none" strike="noStrike" dirty="0">
+                        <a:rPr lang="en-US" sz="1600" b="1" u="none" strike="noStrike" dirty="0">
                           <a:ln>
                             <a:noFill/>
                           </a:ln>
@@ -3177,7 +3119,7 @@
                         </a:rPr>
                         <a:t>Description of Variable and Units</a:t>
                       </a:r>
-                      <a:endParaRPr lang="en-US" sz="1800" b="1" i="0" u="none" strike="noStrike" dirty="0">
+                      <a:endParaRPr lang="en-US" sz="1600" b="1" i="0" u="none" strike="noStrike" dirty="0">
                         <a:ln>
                           <a:noFill/>
                         </a:ln>
@@ -3237,7 +3179,7 @@
                   </a:tcPr>
                 </a:tc>
               </a:tr>
-              <a:tr h="328554">
+              <a:tr h="272106">
                 <a:tc>
                   <a:txBody>
                     <a:bodyPr/>
@@ -3245,7 +3187,7 @@
                     <a:p>
                       <a:pPr algn="ctr" fontAlgn="t"/>
                       <a:r>
-                        <a:rPr lang="en-US" sz="1600" b="0" u="none" strike="noStrike" dirty="0">
+                        <a:rPr lang="en-US" sz="1400" b="0" u="none" strike="noStrike" dirty="0">
                           <a:ln>
                             <a:noFill/>
                           </a:ln>
@@ -3254,9 +3196,9 @@
                           <a:ea typeface="Arial" charset="0"/>
                           <a:cs typeface="Arial" charset="0"/>
                         </a:rPr>
-                        <a:t>day</a:t>
+                        <a:t>time</a:t>
                       </a:r>
-                      <a:endParaRPr lang="en-US" sz="1600" b="0" i="0" u="none" strike="noStrike" dirty="0">
+                      <a:endParaRPr lang="en-US" sz="1400" b="0" i="0" u="none" strike="noStrike" dirty="0">
                         <a:ln>
                           <a:noFill/>
                         </a:ln>
@@ -3319,7 +3261,7 @@
                     <a:p>
                       <a:pPr algn="ctr" fontAlgn="t"/>
                       <a:r>
-                        <a:rPr lang="nl-NL" sz="1600" b="0" u="none" strike="noStrike" dirty="0" err="1">
+                        <a:rPr lang="en-US" sz="1400" b="0" u="none" strike="noStrike" dirty="0">
                           <a:ln>
                             <a:noFill/>
                           </a:ln>
@@ -3328,21 +3270,9 @@
                           <a:ea typeface="Arial" charset="0"/>
                           <a:cs typeface="Arial" charset="0"/>
                         </a:rPr>
-                        <a:t>julian</a:t>
+                        <a:t>time</a:t>
                       </a:r>
-                      <a:r>
-                        <a:rPr lang="nl-NL" sz="1600" b="0" u="none" strike="noStrike" dirty="0">
-                          <a:ln>
-                            <a:noFill/>
-                          </a:ln>
-                          <a:effectLst/>
-                          <a:latin typeface="Arial" charset="0"/>
-                          <a:ea typeface="Arial" charset="0"/>
-                          <a:cs typeface="Arial" charset="0"/>
-                        </a:rPr>
-                        <a:t> date (jan 1=1, dec 31=365)</a:t>
-                      </a:r>
-                      <a:endParaRPr lang="nl-NL" sz="1600" b="0" i="0" u="none" strike="noStrike" dirty="0">
+                      <a:endParaRPr lang="en-US" sz="1400" b="0" i="0" u="none" strike="noStrike" dirty="0">
                         <a:ln>
                           <a:noFill/>
                         </a:ln>
@@ -3399,7 +3329,7 @@
                   </a:tcPr>
                 </a:tc>
               </a:tr>
-              <a:tr h="328554">
+              <a:tr h="272106">
                 <a:tc>
                   <a:txBody>
                     <a:bodyPr/>
@@ -3407,7 +3337,84 @@
                     <a:p>
                       <a:pPr algn="ctr" fontAlgn="t"/>
                       <a:r>
-                        <a:rPr lang="en-US" sz="1600" b="0" u="none" strike="noStrike">
+                        <a:rPr lang="en-US" sz="1400" b="1" u="none" strike="noStrike" dirty="0">
+                          <a:ln>
+                            <a:noFill/>
+                          </a:ln>
+                          <a:solidFill>
+                            <a:schemeClr val="tx1"/>
+                          </a:solidFill>
+                          <a:effectLst/>
+                          <a:latin typeface="Arial" charset="0"/>
+                          <a:ea typeface="Arial" charset="0"/>
+                          <a:cs typeface="Arial" charset="0"/>
+                        </a:rPr>
+                        <a:t>ash</a:t>
+                      </a:r>
+                      <a:endParaRPr lang="en-US" sz="1400" b="1" i="0" u="none" strike="noStrike" dirty="0">
+                        <a:ln>
+                          <a:noFill/>
+                        </a:ln>
+                        <a:solidFill>
+                          <a:schemeClr val="tx1"/>
+                        </a:solidFill>
+                        <a:effectLst/>
+                        <a:latin typeface="Arial" charset="0"/>
+                        <a:ea typeface="Arial" charset="0"/>
+                        <a:cs typeface="Arial" charset="0"/>
+                      </a:endParaRPr>
+                    </a:p>
+                  </a:txBody>
+                  <a:tcPr marL="12700" marR="12700" marT="12700" marB="0" anchor="ctr">
+                    <a:lnL w="12700" cap="flat" cmpd="sng" algn="ctr">
+                      <a:solidFill>
+                        <a:schemeClr val="tx1"/>
+                      </a:solidFill>
+                      <a:prstDash val="solid"/>
+                      <a:round/>
+                      <a:headEnd type="none" w="med" len="med"/>
+                      <a:tailEnd type="none" w="med" len="med"/>
+                    </a:lnL>
+                    <a:lnR w="12700" cap="flat" cmpd="sng" algn="ctr">
+                      <a:solidFill>
+                        <a:schemeClr val="tx1"/>
+                      </a:solidFill>
+                      <a:prstDash val="solid"/>
+                      <a:round/>
+                      <a:headEnd type="none" w="med" len="med"/>
+                      <a:tailEnd type="none" w="med" len="med"/>
+                    </a:lnR>
+                    <a:lnT w="12700" cap="flat" cmpd="sng" algn="ctr">
+                      <a:solidFill>
+                        <a:schemeClr val="tx1"/>
+                      </a:solidFill>
+                      <a:prstDash val="solid"/>
+                      <a:round/>
+                      <a:headEnd type="none" w="med" len="med"/>
+                      <a:tailEnd type="none" w="med" len="med"/>
+                    </a:lnT>
+                    <a:lnB w="12700" cap="flat" cmpd="sng" algn="ctr">
+                      <a:solidFill>
+                        <a:schemeClr val="tx1"/>
+                      </a:solidFill>
+                      <a:prstDash val="solid"/>
+                      <a:round/>
+                      <a:headEnd type="none" w="med" len="med"/>
+                      <a:tailEnd type="none" w="med" len="med"/>
+                    </a:lnB>
+                    <a:solidFill>
+                      <a:schemeClr val="bg1"/>
+                    </a:solidFill>
+                  </a:tcPr>
+                </a:tc>
+                <a:tc>
+                  <a:txBody>
+                    <a:bodyPr/>
+                    <a:lstStyle/>
+                    <a:p>
+                      <a:pPr algn="ctr" fontAlgn="t"/>
+                      <a:r>
+                        <a:rPr lang="en-US" sz="1400" b="0" u="none" strike="noStrike" dirty="0">
                           <a:ln>
                             <a:noFill/>
                           </a:ln>
@@ -3416,9 +3423,9 @@
                           <a:ea typeface="Arial" charset="0"/>
                           <a:cs typeface="Arial" charset="0"/>
                         </a:rPr>
-                        <a:t>time</a:t>
+                        <a:t>ASHRAE Thermal Sensation Scale [-3, +3]</a:t>
                       </a:r>
-                      <a:endParaRPr lang="en-US" sz="1600" b="0" i="0" u="none" strike="noStrike">
+                      <a:endParaRPr lang="en-US" sz="1400" b="0" i="0" u="none" strike="noStrike" dirty="0">
                         <a:ln>
                           <a:noFill/>
                         </a:ln>
@@ -3474,6 +3481,8 @@
                     </a:solidFill>
                   </a:tcPr>
                 </a:tc>
+              </a:tr>
+              <a:tr h="530741">
                 <a:tc>
                   <a:txBody>
                     <a:bodyPr/>
@@ -3481,7 +3490,84 @@
                     <a:p>
                       <a:pPr algn="ctr" fontAlgn="t"/>
                       <a:r>
-                        <a:rPr lang="en-US" sz="1600" b="0" u="none" strike="noStrike" dirty="0">
+                        <a:rPr lang="en-US" sz="1400" b="1" u="none" strike="noStrike" dirty="0">
+                          <a:ln>
+                            <a:noFill/>
+                          </a:ln>
+                          <a:solidFill>
+                            <a:schemeClr val="tx1"/>
+                          </a:solidFill>
+                          <a:effectLst/>
+                          <a:latin typeface="Arial" charset="0"/>
+                          <a:ea typeface="Arial" charset="0"/>
+                          <a:cs typeface="Arial" charset="0"/>
+                        </a:rPr>
+                        <a:t>mci</a:t>
+                      </a:r>
+                      <a:endParaRPr lang="en-US" sz="1400" b="1" i="0" u="none" strike="noStrike" dirty="0">
+                        <a:ln>
+                          <a:noFill/>
+                        </a:ln>
+                        <a:solidFill>
+                          <a:schemeClr val="tx1"/>
+                        </a:solidFill>
+                        <a:effectLst/>
+                        <a:latin typeface="Arial" charset="0"/>
+                        <a:ea typeface="Arial" charset="0"/>
+                        <a:cs typeface="Arial" charset="0"/>
+                      </a:endParaRPr>
+                    </a:p>
+                  </a:txBody>
+                  <a:tcPr marL="12700" marR="12700" marT="12700" marB="0" anchor="ctr">
+                    <a:lnL w="12700" cap="flat" cmpd="sng" algn="ctr">
+                      <a:solidFill>
+                        <a:schemeClr val="tx1"/>
+                      </a:solidFill>
+                      <a:prstDash val="solid"/>
+                      <a:round/>
+                      <a:headEnd type="none" w="med" len="med"/>
+                      <a:tailEnd type="none" w="med" len="med"/>
+                    </a:lnL>
+                    <a:lnR w="12700" cap="flat" cmpd="sng" algn="ctr">
+                      <a:solidFill>
+                        <a:schemeClr val="tx1"/>
+                      </a:solidFill>
+                      <a:prstDash val="solid"/>
+                      <a:round/>
+                      <a:headEnd type="none" w="med" len="med"/>
+                      <a:tailEnd type="none" w="med" len="med"/>
+                    </a:lnR>
+                    <a:lnT w="12700" cap="flat" cmpd="sng" algn="ctr">
+                      <a:solidFill>
+                        <a:schemeClr val="tx1"/>
+                      </a:solidFill>
+                      <a:prstDash val="solid"/>
+                      <a:round/>
+                      <a:headEnd type="none" w="med" len="med"/>
+                      <a:tailEnd type="none" w="med" len="med"/>
+                    </a:lnT>
+                    <a:lnB w="12700" cap="flat" cmpd="sng" algn="ctr">
+                      <a:solidFill>
+                        <a:schemeClr val="tx1"/>
+                      </a:solidFill>
+                      <a:prstDash val="solid"/>
+                      <a:round/>
+                      <a:headEnd type="none" w="med" len="med"/>
+                      <a:tailEnd type="none" w="med" len="med"/>
+                    </a:lnB>
+                    <a:solidFill>
+                      <a:schemeClr val="bg1"/>
+                    </a:solidFill>
+                  </a:tcPr>
+                </a:tc>
+                <a:tc>
+                  <a:txBody>
+                    <a:bodyPr/>
+                    <a:lstStyle/>
+                    <a:p>
+                      <a:pPr algn="ctr" fontAlgn="t"/>
+                      <a:r>
+                        <a:rPr lang="en-US" sz="1400" b="0" u="none" strike="noStrike" dirty="0">
                           <a:ln>
                             <a:noFill/>
                           </a:ln>
@@ -3490,9 +3576,9 @@
                           <a:ea typeface="Arial" charset="0"/>
                           <a:cs typeface="Arial" charset="0"/>
                         </a:rPr>
-                        <a:t>time</a:t>
+                        <a:t>Thermal Preference [1=want cooler, 2=no change, 3=want warmer]</a:t>
                       </a:r>
-                      <a:endParaRPr lang="en-US" sz="1600" b="0" i="0" u="none" strike="noStrike" dirty="0">
+                      <a:endParaRPr lang="en-US" sz="1400" b="0" i="0" u="none" strike="noStrike" dirty="0">
                         <a:ln>
                           <a:noFill/>
                         </a:ln>
@@ -3549,7 +3635,7 @@
                   </a:tcPr>
                 </a:tc>
               </a:tr>
-              <a:tr h="328554">
+              <a:tr h="530741">
                 <a:tc>
                   <a:txBody>
                     <a:bodyPr/>
@@ -3557,7 +3643,84 @@
                     <a:p>
                       <a:pPr algn="ctr" fontAlgn="t"/>
                       <a:r>
-                        <a:rPr lang="en-US" sz="1600" b="0" u="none" strike="noStrike">
+                        <a:rPr lang="en-US" sz="1400" b="1" u="none" strike="noStrike" dirty="0" err="1">
+                          <a:ln>
+                            <a:noFill/>
+                          </a:ln>
+                          <a:solidFill>
+                            <a:schemeClr val="tx1"/>
+                          </a:solidFill>
+                          <a:effectLst/>
+                          <a:latin typeface="Arial" charset="0"/>
+                          <a:ea typeface="Arial" charset="0"/>
+                          <a:cs typeface="Arial" charset="0"/>
+                        </a:rPr>
+                        <a:t>comf</a:t>
+                      </a:r>
+                      <a:endParaRPr lang="en-US" sz="1400" b="1" i="0" u="none" strike="noStrike" dirty="0">
+                        <a:ln>
+                          <a:noFill/>
+                        </a:ln>
+                        <a:solidFill>
+                          <a:schemeClr val="tx1"/>
+                        </a:solidFill>
+                        <a:effectLst/>
+                        <a:latin typeface="Arial" charset="0"/>
+                        <a:ea typeface="Arial" charset="0"/>
+                        <a:cs typeface="Arial" charset="0"/>
+                      </a:endParaRPr>
+                    </a:p>
+                  </a:txBody>
+                  <a:tcPr marL="12700" marR="12700" marT="12700" marB="0" anchor="ctr">
+                    <a:lnL w="12700" cap="flat" cmpd="sng" algn="ctr">
+                      <a:solidFill>
+                        <a:schemeClr val="tx1"/>
+                      </a:solidFill>
+                      <a:prstDash val="solid"/>
+                      <a:round/>
+                      <a:headEnd type="none" w="med" len="med"/>
+                      <a:tailEnd type="none" w="med" len="med"/>
+                    </a:lnL>
+                    <a:lnR w="12700" cap="flat" cmpd="sng" algn="ctr">
+                      <a:solidFill>
+                        <a:schemeClr val="tx1"/>
+                      </a:solidFill>
+                      <a:prstDash val="solid"/>
+                      <a:round/>
+                      <a:headEnd type="none" w="med" len="med"/>
+                      <a:tailEnd type="none" w="med" len="med"/>
+                    </a:lnR>
+                    <a:lnT w="12700" cap="flat" cmpd="sng" algn="ctr">
+                      <a:solidFill>
+                        <a:schemeClr val="tx1"/>
+                      </a:solidFill>
+                      <a:prstDash val="solid"/>
+                      <a:round/>
+                      <a:headEnd type="none" w="med" len="med"/>
+                      <a:tailEnd type="none" w="med" len="med"/>
+                    </a:lnT>
+                    <a:lnB w="12700" cap="flat" cmpd="sng" algn="ctr">
+                      <a:solidFill>
+                        <a:schemeClr val="tx1"/>
+                      </a:solidFill>
+                      <a:prstDash val="solid"/>
+                      <a:round/>
+                      <a:headEnd type="none" w="med" len="med"/>
+                      <a:tailEnd type="none" w="med" len="med"/>
+                    </a:lnB>
+                    <a:solidFill>
+                      <a:schemeClr val="bg1"/>
+                    </a:solidFill>
+                  </a:tcPr>
+                </a:tc>
+                <a:tc>
+                  <a:txBody>
+                    <a:bodyPr/>
+                    <a:lstStyle/>
+                    <a:p>
+                      <a:pPr algn="ctr" fontAlgn="t"/>
+                      <a:r>
+                        <a:rPr lang="en-US" sz="1400" b="0" u="none" strike="noStrike" dirty="0">
                           <a:ln>
                             <a:noFill/>
                           </a:ln>
@@ -3566,9 +3729,57 @@
                           <a:ea typeface="Arial" charset="0"/>
                           <a:cs typeface="Arial" charset="0"/>
                         </a:rPr>
-                        <a:t>ash</a:t>
+                        <a:t>General thermal comfort right now [1=very </a:t>
                       </a:r>
-                      <a:endParaRPr lang="en-US" sz="1600" b="0" i="0" u="none" strike="noStrike">
+                      <a:r>
+                        <a:rPr lang="en-US" sz="1400" b="0" u="none" strike="noStrike" dirty="0" err="1">
+                          <a:ln>
+                            <a:noFill/>
+                          </a:ln>
+                          <a:effectLst/>
+                          <a:latin typeface="Arial" charset="0"/>
+                          <a:ea typeface="Arial" charset="0"/>
+                          <a:cs typeface="Arial" charset="0"/>
+                        </a:rPr>
+                        <a:t>uncomf</a:t>
+                      </a:r>
+                      <a:r>
+                        <a:rPr lang="en-US" sz="1400" b="0" u="none" strike="noStrike" dirty="0">
+                          <a:ln>
+                            <a:noFill/>
+                          </a:ln>
+                          <a:effectLst/>
+                          <a:latin typeface="Arial" charset="0"/>
+                          <a:ea typeface="Arial" charset="0"/>
+                          <a:cs typeface="Arial" charset="0"/>
+                        </a:rPr>
+                        <a:t>, 6=very </a:t>
+                      </a:r>
+                      <a:r>
+                        <a:rPr lang="en-US" sz="1400" b="0" u="none" strike="noStrike" dirty="0" err="1">
+                          <a:ln>
+                            <a:noFill/>
+                          </a:ln>
+                          <a:effectLst/>
+                          <a:latin typeface="Arial" charset="0"/>
+                          <a:ea typeface="Arial" charset="0"/>
+                          <a:cs typeface="Arial" charset="0"/>
+                        </a:rPr>
+                        <a:t>comf</a:t>
+                      </a:r>
+                      <a:r>
+                        <a:rPr lang="en-US" sz="1400" b="0" u="none" strike="noStrike" dirty="0">
+                          <a:ln>
+                            <a:noFill/>
+                          </a:ln>
+                          <a:effectLst/>
+                          <a:latin typeface="Arial" charset="0"/>
+                          <a:ea typeface="Arial" charset="0"/>
+                          <a:cs typeface="Arial" charset="0"/>
+                        </a:rPr>
+                        <a:t>]</a:t>
+                      </a:r>
+                      <a:endParaRPr lang="en-US" sz="1400" b="0" i="0" u="none" strike="noStrike" dirty="0">
                         <a:ln>
                           <a:noFill/>
                         </a:ln>
@@ -3624,6 +3835,8 @@
                     </a:solidFill>
                   </a:tcPr>
                 </a:tc>
+              </a:tr>
+              <a:tr h="272106">
                 <a:tc>
                   <a:txBody>
                     <a:bodyPr/>
@@ -3631,7 +3844,7 @@
                     <a:p>
                       <a:pPr algn="ctr" fontAlgn="t"/>
                       <a:r>
-                        <a:rPr lang="en-US" sz="1600" b="0" u="none" strike="noStrike" dirty="0">
+                        <a:rPr lang="en-US" sz="1400" b="0" u="none" strike="noStrike">
                           <a:ln>
                             <a:noFill/>
                           </a:ln>
@@ -3640,9 +3853,9 @@
                           <a:ea typeface="Arial" charset="0"/>
                           <a:cs typeface="Arial" charset="0"/>
                         </a:rPr>
-                        <a:t>ASHRAE Thermal Sensation Scale [-3, +3]</a:t>
+                        <a:t>met</a:t>
                       </a:r>
-                      <a:endParaRPr lang="en-US" sz="1600" b="0" i="0" u="none" strike="noStrike" dirty="0">
+                      <a:endParaRPr lang="en-US" sz="1400" b="0" i="0" u="none" strike="noStrike">
                         <a:ln>
                           <a:noFill/>
                         </a:ln>
@@ -3698,8 +3911,6 @@
                     </a:solidFill>
                   </a:tcPr>
                 </a:tc>
-              </a:tr>
-              <a:tr h="328554">
                 <a:tc>
                   <a:txBody>
                     <a:bodyPr/>
@@ -3707,7 +3918,7 @@
                     <a:p>
                       <a:pPr algn="ctr" fontAlgn="t"/>
                       <a:r>
-                        <a:rPr lang="en-US" sz="1600" b="0" u="none" strike="noStrike" dirty="0">
+                        <a:rPr lang="en-US" sz="1400" b="0" u="none" strike="noStrike" dirty="0">
                           <a:ln>
                             <a:noFill/>
                           </a:ln>
@@ -3716,9 +3927,9 @@
                           <a:ea typeface="Arial" charset="0"/>
                           <a:cs typeface="Arial" charset="0"/>
                         </a:rPr>
-                        <a:t>met</a:t>
+                        <a:t>average metabolic rate of subject [met]</a:t>
                       </a:r>
-                      <a:endParaRPr lang="en-US" sz="1600" b="0" i="0" u="none" strike="noStrike" dirty="0">
+                      <a:endParaRPr lang="en-US" sz="1400" b="0" i="0" u="none" strike="noStrike" dirty="0">
                         <a:ln>
                           <a:noFill/>
                         </a:ln>
@@ -3774,6 +3985,8 @@
                     </a:solidFill>
                   </a:tcPr>
                 </a:tc>
+              </a:tr>
+              <a:tr h="272106">
                 <a:tc>
                   <a:txBody>
                     <a:bodyPr/>
@@ -3781,7 +3994,7 @@
                     <a:p>
                       <a:pPr algn="ctr" fontAlgn="t"/>
                       <a:r>
-                        <a:rPr lang="en-US" sz="1600" b="0" u="none" strike="noStrike" dirty="0">
+                        <a:rPr lang="en-US" sz="1400" b="0" u="none" strike="noStrike" dirty="0" err="1">
                           <a:ln>
                             <a:noFill/>
                           </a:ln>
@@ -3790,9 +4003,9 @@
                           <a:ea typeface="Arial" charset="0"/>
                           <a:cs typeface="Arial" charset="0"/>
                         </a:rPr>
-                        <a:t>average metabolic rate of subject [met]</a:t>
+                        <a:t>insul</a:t>
                       </a:r>
-                      <a:endParaRPr lang="en-US" sz="1600" b="0" i="0" u="none" strike="noStrike" dirty="0">
+                      <a:endParaRPr lang="en-US" sz="1400" b="0" i="0" u="none" strike="noStrike" dirty="0">
                         <a:ln>
                           <a:noFill/>
                         </a:ln>
@@ -3848,8 +4061,6 @@
                     </a:solidFill>
                   </a:tcPr>
                 </a:tc>
-              </a:tr>
-              <a:tr h="328554">
                 <a:tc>
                   <a:txBody>
                     <a:bodyPr/>
@@ -3857,7 +4068,7 @@
                     <a:p>
                       <a:pPr algn="ctr" fontAlgn="t"/>
                       <a:r>
-                        <a:rPr lang="en-US" sz="1600" b="0" u="none" strike="noStrike" dirty="0" err="1">
+                        <a:rPr lang="en-US" sz="1400" b="0" u="none" strike="noStrike" dirty="0">
                           <a:ln>
                             <a:noFill/>
                           </a:ln>
@@ -3866,9 +4077,33 @@
                           <a:ea typeface="Arial" charset="0"/>
                           <a:cs typeface="Arial" charset="0"/>
                         </a:rPr>
-                        <a:t>insul</a:t>
+                        <a:t>clothing plus upholstery insulation [</a:t>
                       </a:r>
-                      <a:endParaRPr lang="en-US" sz="1600" b="0" i="0" u="none" strike="noStrike" dirty="0">
+                      <a:r>
+                        <a:rPr lang="en-US" sz="1400" b="0" u="none" strike="noStrike" dirty="0" err="1">
+                          <a:ln>
+                            <a:noFill/>
+                          </a:ln>
+                          <a:effectLst/>
+                          <a:latin typeface="Arial" charset="0"/>
+                          <a:ea typeface="Arial" charset="0"/>
+                          <a:cs typeface="Arial" charset="0"/>
+                        </a:rPr>
+                        <a:t>clo</a:t>
+                      </a:r>
+                      <a:r>
+                        <a:rPr lang="en-US" sz="1400" b="0" u="none" strike="noStrike" dirty="0">
+                          <a:ln>
+                            <a:noFill/>
+                          </a:ln>
+                          <a:effectLst/>
+                          <a:latin typeface="Arial" charset="0"/>
+                          <a:ea typeface="Arial" charset="0"/>
+                          <a:cs typeface="Arial" charset="0"/>
+                        </a:rPr>
+                        <a:t>]</a:t>
+                      </a:r>
+                      <a:endParaRPr lang="en-US" sz="1400" b="0" i="0" u="none" strike="noStrike" dirty="0">
                         <a:ln>
                           <a:noFill/>
                         </a:ln>
@@ -3924,6 +4159,8 @@
                     </a:solidFill>
                   </a:tcPr>
                 </a:tc>
+              </a:tr>
+              <a:tr h="272106">
                 <a:tc>
                   <a:txBody>
                     <a:bodyPr/>
@@ -3931,7 +4168,7 @@
                     <a:p>
                       <a:pPr algn="ctr" fontAlgn="t"/>
                       <a:r>
-                        <a:rPr lang="en-US" sz="1600" b="0" u="none" strike="noStrike" dirty="0">
+                        <a:rPr lang="en-US" sz="1400" b="0" u="none" strike="noStrike" dirty="0" err="1">
                           <a:ln>
                             <a:noFill/>
                           </a:ln>
@@ -3940,33 +4177,9 @@
                           <a:ea typeface="Arial" charset="0"/>
                           <a:cs typeface="Arial" charset="0"/>
                         </a:rPr>
-                        <a:t>clothing plus upholstery insulation [</a:t>
+                        <a:t>taav</a:t>
                       </a:r>
-                      <a:r>
-                        <a:rPr lang="en-US" sz="1600" b="0" u="none" strike="noStrike" dirty="0" err="1">
-                          <a:ln>
-                            <a:noFill/>
-                          </a:ln>
-                          <a:effectLst/>
-                          <a:latin typeface="Arial" charset="0"/>
-                          <a:ea typeface="Arial" charset="0"/>
-                          <a:cs typeface="Arial" charset="0"/>
-                        </a:rPr>
-                        <a:t>clo</a:t>
-                      </a:r>
-                      <a:r>
-                        <a:rPr lang="en-US" sz="1600" b="0" u="none" strike="noStrike" dirty="0">
-                          <a:ln>
-                            <a:noFill/>
-                          </a:ln>
-                          <a:effectLst/>
-                          <a:latin typeface="Arial" charset="0"/>
-                          <a:ea typeface="Arial" charset="0"/>
-                          <a:cs typeface="Arial" charset="0"/>
-                        </a:rPr>
-                        <a:t>]</a:t>
-                      </a:r>
-                      <a:endParaRPr lang="en-US" sz="1600" b="0" i="0" u="none" strike="noStrike" dirty="0">
+                      <a:endParaRPr lang="en-US" sz="1400" b="0" i="0" u="none" strike="noStrike" dirty="0">
                         <a:ln>
                           <a:noFill/>
                         </a:ln>
@@ -4022,8 +4235,6 @@
                     </a:solidFill>
                   </a:tcPr>
                 </a:tc>
-              </a:tr>
-              <a:tr h="328554">
                 <a:tc>
                   <a:txBody>
                     <a:bodyPr/>
@@ -4031,7 +4242,7 @@
                     <a:p>
                       <a:pPr algn="ctr" fontAlgn="t"/>
                       <a:r>
-                        <a:rPr lang="en-US" sz="1600" b="0" u="none" strike="noStrike" dirty="0" err="1">
+                        <a:rPr lang="en-US" sz="1400" b="0" u="none" strike="noStrike" dirty="0" smtClean="0">
                           <a:ln>
                             <a:noFill/>
                           </a:ln>
@@ -4040,9 +4251,45 @@
                           <a:ea typeface="Arial" charset="0"/>
                           <a:cs typeface="Arial" charset="0"/>
                         </a:rPr>
-                        <a:t>taav</a:t>
+                        <a:t>average of three heights' air temperature [</a:t>
                       </a:r>
-                      <a:endParaRPr lang="en-US" sz="1600" b="0" i="0" u="none" strike="noStrike" dirty="0">
+                      <a:r>
+                        <a:rPr lang="en-US" sz="1400" b="0" u="none" strike="noStrike" baseline="30000" dirty="0" err="1" smtClean="0">
+                          <a:ln>
+                            <a:noFill/>
+                          </a:ln>
+                          <a:effectLst/>
+                          <a:latin typeface="Arial" charset="0"/>
+                          <a:ea typeface="Arial" charset="0"/>
+                          <a:cs typeface="Arial" charset="0"/>
+                        </a:rPr>
+                        <a:t>o</a:t>
+                      </a:r>
+                      <a:r>
+                        <a:rPr lang="en-US" sz="1400" b="0" u="none" strike="noStrike" dirty="0" err="1" smtClean="0">
+                          <a:ln>
+                            <a:noFill/>
+                          </a:ln>
+                          <a:effectLst/>
+                          <a:latin typeface="Arial" charset="0"/>
+                          <a:ea typeface="Arial" charset="0"/>
+                          <a:cs typeface="Arial" charset="0"/>
+                        </a:rPr>
+                        <a:t>C</a:t>
+                      </a:r>
+                      <a:r>
+                        <a:rPr lang="en-US" sz="1400" b="0" u="none" strike="noStrike" dirty="0" smtClean="0">
+                          <a:ln>
+                            <a:noFill/>
+                          </a:ln>
+                          <a:effectLst/>
+                          <a:latin typeface="Arial" charset="0"/>
+                          <a:ea typeface="Arial" charset="0"/>
+                          <a:cs typeface="Arial" charset="0"/>
+                        </a:rPr>
+                        <a:t>]</a:t>
+                      </a:r>
+                      <a:endParaRPr lang="en-US" sz="1400" b="0" i="0" u="none" strike="noStrike" dirty="0">
                         <a:ln>
                           <a:noFill/>
                         </a:ln>
@@ -4098,6 +4345,8 @@
                     </a:solidFill>
                   </a:tcPr>
                 </a:tc>
+              </a:tr>
+              <a:tr h="530741">
                 <a:tc>
                   <a:txBody>
                     <a:bodyPr/>
@@ -4105,7 +4354,164 @@
                     <a:p>
                       <a:pPr algn="ctr" fontAlgn="t"/>
                       <a:r>
-                        <a:rPr lang="en-US" sz="1600" b="0" u="none" strike="noStrike" dirty="0">
+                        <a:rPr lang="en-US" altLang="zh-CN" sz="1400" b="0" i="0" u="none" strike="noStrike" dirty="0" err="1" smtClean="0">
+                          <a:ln>
+                            <a:noFill/>
+                          </a:ln>
+                          <a:solidFill>
+                            <a:schemeClr val="bg2">
+                              <a:lumMod val="50000"/>
+                            </a:schemeClr>
+                          </a:solidFill>
+                          <a:effectLst/>
+                          <a:latin typeface="Arial" charset="0"/>
+                          <a:ea typeface="Arial" charset="0"/>
+                          <a:cs typeface="Arial" charset="0"/>
+                        </a:rPr>
+                        <a:t>taav_grad</a:t>
+                      </a:r>
+                      <a:endParaRPr lang="en-US" sz="1400" b="0" i="0" u="none" strike="noStrike" dirty="0">
+                        <a:ln>
+                          <a:noFill/>
+                        </a:ln>
+                        <a:solidFill>
+                          <a:schemeClr val="bg2">
+                            <a:lumMod val="50000"/>
+                          </a:schemeClr>
+                        </a:solidFill>
+                        <a:effectLst/>
+                        <a:latin typeface="Arial" charset="0"/>
+                        <a:ea typeface="Arial" charset="0"/>
+                        <a:cs typeface="Arial" charset="0"/>
+                      </a:endParaRPr>
+                    </a:p>
+                  </a:txBody>
+                  <a:tcPr marL="12700" marR="12700" marT="12700" marB="0" anchor="ctr">
+                    <a:lnL w="12700" cap="flat" cmpd="sng" algn="ctr">
+                      <a:solidFill>
+                        <a:schemeClr val="tx1"/>
+                      </a:solidFill>
+                      <a:prstDash val="solid"/>
+                      <a:round/>
+                      <a:headEnd type="none" w="med" len="med"/>
+                      <a:tailEnd type="none" w="med" len="med"/>
+                    </a:lnL>
+                    <a:lnR w="12700" cap="flat" cmpd="sng" algn="ctr">
+                      <a:solidFill>
+                        <a:schemeClr val="tx1"/>
+                      </a:solidFill>
+                      <a:prstDash val="solid"/>
+                      <a:round/>
+                      <a:headEnd type="none" w="med" len="med"/>
+                      <a:tailEnd type="none" w="med" len="med"/>
+                    </a:lnR>
+                    <a:lnT w="12700" cap="flat" cmpd="sng" algn="ctr">
+                      <a:solidFill>
+                        <a:schemeClr val="tx1"/>
+                      </a:solidFill>
+                      <a:prstDash val="solid"/>
+                      <a:round/>
+                      <a:headEnd type="none" w="med" len="med"/>
+                      <a:tailEnd type="none" w="med" len="med"/>
+                    </a:lnT>
+                    <a:lnB w="12700" cap="flat" cmpd="sng" algn="ctr">
+                      <a:solidFill>
+                        <a:schemeClr val="tx1"/>
+                      </a:solidFill>
+                      <a:prstDash val="solid"/>
+                      <a:round/>
+                      <a:headEnd type="none" w="med" len="med"/>
+                      <a:tailEnd type="none" w="med" len="med"/>
+                    </a:lnB>
+                    <a:solidFill>
+                      <a:schemeClr val="bg1"/>
+                    </a:solidFill>
+                  </a:tcPr>
+                </a:tc>
+                <a:tc>
+                  <a:txBody>
+                    <a:bodyPr/>
+                    <a:lstStyle/>
+                    <a:p>
+                      <a:pPr marL="0" marR="0" indent="0" algn="ctr" defTabSz="914400" rtl="0" eaLnBrk="1" fontAlgn="t" latinLnBrk="0" hangingPunct="1">
+                        <a:lnSpc>
+                          <a:spcPct val="100000"/>
+                        </a:lnSpc>
+                        <a:spcBef>
+                          <a:spcPts val="0"/>
+                        </a:spcBef>
+                        <a:spcAft>
+                          <a:spcPts val="0"/>
+                        </a:spcAft>
+                        <a:buClrTx/>
+                        <a:buSzTx/>
+                        <a:buFontTx/>
+                        <a:buNone/>
+                        <a:tabLst/>
+                        <a:defRPr/>
+                      </a:pPr>
+                      <a:r>
+                        <a:rPr lang="en-US" altLang="zh-CN" sz="1400" b="0" i="0" u="none" strike="noStrike" dirty="0" smtClean="0">
+                          <a:ln>
+                            <a:noFill/>
+                          </a:ln>
+                          <a:solidFill>
+                            <a:srgbClr val="000000"/>
+                          </a:solidFill>
+                          <a:effectLst/>
+                          <a:latin typeface="Arial" charset="0"/>
+                          <a:ea typeface="Arial" charset="0"/>
+                          <a:cs typeface="Arial" charset="0"/>
+                        </a:rPr>
+                        <a:t>gradient</a:t>
+                      </a:r>
+                      <a:r>
+                        <a:rPr lang="zh-CN" altLang="en-US" sz="1400" b="0" i="0" u="none" strike="noStrike" baseline="0" dirty="0" smtClean="0">
+                          <a:ln>
+                            <a:noFill/>
+                          </a:ln>
+                          <a:solidFill>
+                            <a:srgbClr val="000000"/>
+                          </a:solidFill>
+                          <a:effectLst/>
+                          <a:latin typeface="Arial" charset="0"/>
+                          <a:ea typeface="Arial" charset="0"/>
+                          <a:cs typeface="Arial" charset="0"/>
+                        </a:rPr>
+                        <a:t> </a:t>
+                      </a:r>
+                      <a:r>
+                        <a:rPr lang="en-US" altLang="zh-CN" sz="1400" b="0" i="0" u="none" strike="noStrike" baseline="0" dirty="0" smtClean="0">
+                          <a:ln>
+                            <a:noFill/>
+                          </a:ln>
+                          <a:solidFill>
+                            <a:srgbClr val="000000"/>
+                          </a:solidFill>
+                          <a:effectLst/>
+                          <a:latin typeface="Arial" charset="0"/>
+                          <a:ea typeface="Arial" charset="0"/>
+                          <a:cs typeface="Arial" charset="0"/>
+                        </a:rPr>
+                        <a:t>of</a:t>
+                      </a:r>
+                      <a:r>
+                        <a:rPr lang="zh-CN" altLang="en-US" sz="1400" b="0" i="0" u="none" strike="noStrike" baseline="0" dirty="0" smtClean="0">
+                          <a:ln>
+                            <a:noFill/>
+                          </a:ln>
+                          <a:solidFill>
+                            <a:srgbClr val="000000"/>
+                          </a:solidFill>
+                          <a:effectLst/>
+                          <a:latin typeface="Arial" charset="0"/>
+                          <a:ea typeface="Arial" charset="0"/>
+                          <a:cs typeface="Arial" charset="0"/>
+                        </a:rPr>
+                        <a:t> </a:t>
+                      </a:r>
+                      <a:r>
+                        <a:rPr lang="en-US" sz="1400" b="0" u="none" strike="noStrike" dirty="0" smtClean="0">
                           <a:ln>
                             <a:noFill/>
                           </a:ln>
@@ -4117,7 +4523,7 @@
                         <a:t>average of three heights' air temperature [</a:t>
                       </a:r>
                       <a:r>
-                        <a:rPr lang="en-US" sz="1600" b="0" u="none" strike="noStrike" baseline="30000" dirty="0" err="1">
+                        <a:rPr lang="en-US" sz="1400" b="0" u="none" strike="noStrike" baseline="30000" dirty="0" err="1" smtClean="0">
                           <a:ln>
                             <a:noFill/>
                           </a:ln>
@@ -4129,7 +4535,7 @@
                         <a:t>o</a:t>
                       </a:r>
                       <a:r>
-                        <a:rPr lang="en-US" sz="1600" b="0" u="none" strike="noStrike" dirty="0" err="1">
+                        <a:rPr lang="en-US" sz="1400" b="0" u="none" strike="noStrike" dirty="0" err="1" smtClean="0">
                           <a:ln>
                             <a:noFill/>
                           </a:ln>
@@ -4141,7 +4547,7 @@
                         <a:t>C</a:t>
                       </a:r>
                       <a:r>
-                        <a:rPr lang="en-US" sz="1600" b="0" u="none" strike="noStrike" dirty="0">
+                        <a:rPr lang="en-US" sz="1400" b="0" u="none" strike="noStrike" dirty="0" smtClean="0">
                           <a:ln>
                             <a:noFill/>
                           </a:ln>
@@ -4152,7 +4558,7 @@
                         </a:rPr>
                         <a:t>]</a:t>
                       </a:r>
-                      <a:endParaRPr lang="en-US" sz="1600" b="0" i="0" u="none" strike="noStrike" dirty="0">
+                      <a:endParaRPr lang="en-US" sz="1400" b="0" i="0" u="none" strike="noStrike" dirty="0" smtClean="0">
                         <a:ln>
                           <a:noFill/>
                         </a:ln>
@@ -4209,7 +4615,7 @@
                   </a:tcPr>
                 </a:tc>
               </a:tr>
-              <a:tr h="328554">
+              <a:tr h="530741">
                 <a:tc>
                   <a:txBody>
                     <a:bodyPr/>
@@ -4217,7 +4623,7 @@
                     <a:p>
                       <a:pPr algn="ctr" fontAlgn="t"/>
                       <a:r>
-                        <a:rPr lang="en-US" sz="1600" b="0" u="none" strike="noStrike" dirty="0" err="1">
+                        <a:rPr lang="en-US" sz="1400" b="0" u="none" strike="noStrike" dirty="0" err="1">
                           <a:ln>
                             <a:noFill/>
                           </a:ln>
@@ -4228,7 +4634,7 @@
                         </a:rPr>
                         <a:t>trav</a:t>
                       </a:r>
-                      <a:endParaRPr lang="en-US" sz="1600" b="0" i="0" u="none" strike="noStrike" dirty="0">
+                      <a:endParaRPr lang="en-US" sz="1400" b="0" i="0" u="none" strike="noStrike" dirty="0">
                         <a:ln>
                           <a:noFill/>
                         </a:ln>
@@ -4291,7 +4697,7 @@
                     <a:p>
                       <a:pPr algn="ctr" fontAlgn="t"/>
                       <a:r>
-                        <a:rPr lang="en-US" sz="1600" b="0" u="none" strike="noStrike" dirty="0">
+                        <a:rPr lang="en-US" sz="1400" b="0" u="none" strike="noStrike" dirty="0">
                           <a:ln>
                             <a:noFill/>
                           </a:ln>
@@ -4303,7 +4709,7 @@
                         <a:t>average of three heights' mean radiant temperature [</a:t>
                       </a:r>
                       <a:r>
-                        <a:rPr lang="en-US" sz="1600" b="0" u="none" strike="noStrike" baseline="30000" dirty="0" err="1">
+                        <a:rPr lang="en-US" sz="1400" b="0" u="none" strike="noStrike" baseline="30000" dirty="0" err="1">
                           <a:ln>
                             <a:noFill/>
                           </a:ln>
@@ -4315,7 +4721,7 @@
                         <a:t>o</a:t>
                       </a:r>
                       <a:r>
-                        <a:rPr lang="en-US" sz="1600" b="0" u="none" strike="noStrike" dirty="0" err="1">
+                        <a:rPr lang="en-US" sz="1400" b="0" u="none" strike="noStrike" dirty="0" err="1">
                           <a:ln>
                             <a:noFill/>
                           </a:ln>
@@ -4327,7 +4733,7 @@
                         <a:t>C</a:t>
                       </a:r>
                       <a:r>
-                        <a:rPr lang="en-US" sz="1600" b="0" u="none" strike="noStrike" dirty="0">
+                        <a:rPr lang="en-US" sz="1400" b="0" u="none" strike="noStrike" dirty="0">
                           <a:ln>
                             <a:noFill/>
                           </a:ln>
@@ -4338,7 +4744,7 @@
                         </a:rPr>
                         <a:t>]</a:t>
                       </a:r>
-                      <a:endParaRPr lang="en-US" sz="1600" b="0" i="0" u="none" strike="noStrike" dirty="0">
+                      <a:endParaRPr lang="en-US" sz="1400" b="0" i="0" u="none" strike="noStrike" dirty="0">
                         <a:ln>
                           <a:noFill/>
                         </a:ln>
@@ -4395,7 +4801,7 @@
                   </a:tcPr>
                 </a:tc>
               </a:tr>
-              <a:tr h="328554">
+              <a:tr h="272106">
                 <a:tc>
                   <a:txBody>
                     <a:bodyPr/>
@@ -4403,7 +4809,7 @@
                     <a:p>
                       <a:pPr algn="ctr" fontAlgn="t"/>
                       <a:r>
-                        <a:rPr lang="en-US" sz="1600" b="0" u="none" strike="noStrike" dirty="0" err="1">
+                        <a:rPr lang="en-US" sz="1400" b="0" u="none" strike="noStrike" dirty="0" err="1">
                           <a:ln>
                             <a:noFill/>
                           </a:ln>
@@ -4414,7 +4820,7 @@
                         </a:rPr>
                         <a:t>velav</a:t>
                       </a:r>
-                      <a:endParaRPr lang="en-US" sz="1600" b="0" i="0" u="none" strike="noStrike" dirty="0">
+                      <a:endParaRPr lang="en-US" sz="1400" b="0" i="0" u="none" strike="noStrike" dirty="0">
                         <a:ln>
                           <a:noFill/>
                         </a:ln>
@@ -4477,7 +4883,7 @@
                     <a:p>
                       <a:pPr algn="ctr" fontAlgn="t"/>
                       <a:r>
-                        <a:rPr lang="en-US" sz="1600" b="0" u="none" strike="noStrike" dirty="0">
+                        <a:rPr lang="en-US" sz="1400" b="0" u="none" strike="noStrike" dirty="0">
                           <a:ln>
                             <a:noFill/>
                           </a:ln>
@@ -4488,7 +4894,7 @@
                         </a:rPr>
                         <a:t>average of three heights' air speed [m/s]</a:t>
                       </a:r>
-                      <a:endParaRPr lang="en-US" sz="1600" b="0" i="0" u="none" strike="noStrike" dirty="0">
+                      <a:endParaRPr lang="en-US" sz="1400" b="0" i="0" u="none" strike="noStrike" dirty="0">
                         <a:ln>
                           <a:noFill/>
                         </a:ln>
@@ -4545,7 +4951,7 @@
                   </a:tcPr>
                 </a:tc>
               </a:tr>
-              <a:tr h="328554">
+              <a:tr h="272106">
                 <a:tc>
                   <a:txBody>
                     <a:bodyPr/>
@@ -4553,7 +4959,7 @@
                     <a:p>
                       <a:pPr algn="ctr" fontAlgn="t"/>
                       <a:r>
-                        <a:rPr lang="en-US" sz="1600" b="0" u="none" strike="noStrike" dirty="0" err="1">
+                        <a:rPr lang="en-US" sz="1400" b="0" u="none" strike="noStrike" dirty="0" err="1">
                           <a:ln>
                             <a:noFill/>
                           </a:ln>
@@ -4564,7 +4970,7 @@
                         </a:rPr>
                         <a:t>rh</a:t>
                       </a:r>
-                      <a:endParaRPr lang="en-US" sz="1600" b="0" i="0" u="none" strike="noStrike" dirty="0">
+                      <a:endParaRPr lang="en-US" sz="1400" b="0" i="0" u="none" strike="noStrike" dirty="0">
                         <a:ln>
                           <a:noFill/>
                         </a:ln>
@@ -4627,7 +5033,7 @@
                     <a:p>
                       <a:pPr algn="ctr" fontAlgn="t"/>
                       <a:r>
-                        <a:rPr lang="en-US" sz="1600" b="0" u="none" strike="noStrike" dirty="0">
+                        <a:rPr lang="en-US" sz="1400" b="0" u="none" strike="noStrike" dirty="0">
                           <a:ln>
                             <a:noFill/>
                           </a:ln>
@@ -4638,7 +5044,7 @@
                         </a:rPr>
                         <a:t>relative humidity [%]</a:t>
                       </a:r>
-                      <a:endParaRPr lang="en-US" sz="1600" b="0" i="0" u="none" strike="noStrike" dirty="0">
+                      <a:endParaRPr lang="en-US" sz="1400" b="0" i="0" u="none" strike="noStrike" dirty="0">
                         <a:ln>
                           <a:noFill/>
                         </a:ln>
@@ -4695,6 +5101,619 @@
                   </a:tcPr>
                 </a:tc>
               </a:tr>
+              <a:tr h="272106">
+                <a:tc>
+                  <a:txBody>
+                    <a:bodyPr/>
+                    <a:lstStyle/>
+                    <a:p>
+                      <a:pPr algn="ctr" fontAlgn="t"/>
+                      <a:r>
+                        <a:rPr lang="en-US" altLang="zh-CN" sz="1400" b="0" i="0" u="none" strike="noStrike" dirty="0" err="1" smtClean="0">
+                          <a:ln>
+                            <a:noFill/>
+                          </a:ln>
+                          <a:solidFill>
+                            <a:schemeClr val="bg2">
+                              <a:lumMod val="50000"/>
+                            </a:schemeClr>
+                          </a:solidFill>
+                          <a:effectLst/>
+                          <a:latin typeface="Arial" charset="0"/>
+                          <a:ea typeface="Arial" charset="0"/>
+                          <a:cs typeface="Arial" charset="0"/>
+                        </a:rPr>
+                        <a:t>rh_grad</a:t>
+                      </a:r>
+                      <a:endParaRPr lang="en-US" sz="1400" b="0" i="0" u="none" strike="noStrike" dirty="0">
+                        <a:ln>
+                          <a:noFill/>
+                        </a:ln>
+                        <a:solidFill>
+                          <a:schemeClr val="bg2">
+                            <a:lumMod val="50000"/>
+                          </a:schemeClr>
+                        </a:solidFill>
+                        <a:effectLst/>
+                        <a:latin typeface="Arial" charset="0"/>
+                        <a:ea typeface="Arial" charset="0"/>
+                        <a:cs typeface="Arial" charset="0"/>
+                      </a:endParaRPr>
+                    </a:p>
+                  </a:txBody>
+                  <a:tcPr marL="12700" marR="12700" marT="12700" marB="0" anchor="ctr">
+                    <a:lnL w="12700" cap="flat" cmpd="sng" algn="ctr">
+                      <a:solidFill>
+                        <a:schemeClr val="tx1"/>
+                      </a:solidFill>
+                      <a:prstDash val="solid"/>
+                      <a:round/>
+                      <a:headEnd type="none" w="med" len="med"/>
+                      <a:tailEnd type="none" w="med" len="med"/>
+                    </a:lnL>
+                    <a:lnR w="12700" cap="flat" cmpd="sng" algn="ctr">
+                      <a:solidFill>
+                        <a:schemeClr val="tx1"/>
+                      </a:solidFill>
+                      <a:prstDash val="solid"/>
+                      <a:round/>
+                      <a:headEnd type="none" w="med" len="med"/>
+                      <a:tailEnd type="none" w="med" len="med"/>
+                    </a:lnR>
+                    <a:lnT w="12700" cap="flat" cmpd="sng" algn="ctr">
+                      <a:solidFill>
+                        <a:schemeClr val="tx1"/>
+                      </a:solidFill>
+                      <a:prstDash val="solid"/>
+                      <a:round/>
+                      <a:headEnd type="none" w="med" len="med"/>
+                      <a:tailEnd type="none" w="med" len="med"/>
+                    </a:lnT>
+                    <a:lnB w="12700" cap="flat" cmpd="sng" algn="ctr">
+                      <a:solidFill>
+                        <a:schemeClr val="tx1"/>
+                      </a:solidFill>
+                      <a:prstDash val="solid"/>
+                      <a:round/>
+                      <a:headEnd type="none" w="med" len="med"/>
+                      <a:tailEnd type="none" w="med" len="med"/>
+                    </a:lnB>
+                    <a:solidFill>
+                      <a:schemeClr val="bg1"/>
+                    </a:solidFill>
+                  </a:tcPr>
+                </a:tc>
+                <a:tc>
+                  <a:txBody>
+                    <a:bodyPr/>
+                    <a:lstStyle/>
+                    <a:p>
+                      <a:pPr algn="ctr" fontAlgn="t"/>
+                      <a:r>
+                        <a:rPr lang="en-US" altLang="zh-CN" sz="1400" b="0" i="0" u="none" strike="noStrike" dirty="0" smtClean="0">
+                          <a:ln>
+                            <a:noFill/>
+                          </a:ln>
+                          <a:solidFill>
+                            <a:srgbClr val="000000"/>
+                          </a:solidFill>
+                          <a:effectLst/>
+                          <a:latin typeface="Arial" charset="0"/>
+                          <a:ea typeface="Arial" charset="0"/>
+                          <a:cs typeface="Arial" charset="0"/>
+                        </a:rPr>
+                        <a:t>average</a:t>
+                      </a:r>
+                      <a:r>
+                        <a:rPr lang="zh-CN" altLang="en-US" sz="1400" b="0" i="0" u="none" strike="noStrike" dirty="0" smtClean="0">
+                          <a:ln>
+                            <a:noFill/>
+                          </a:ln>
+                          <a:solidFill>
+                            <a:srgbClr val="000000"/>
+                          </a:solidFill>
+                          <a:effectLst/>
+                          <a:latin typeface="Arial" charset="0"/>
+                          <a:ea typeface="Arial" charset="0"/>
+                          <a:cs typeface="Arial" charset="0"/>
+                        </a:rPr>
+                        <a:t> </a:t>
+                      </a:r>
+                      <a:r>
+                        <a:rPr lang="en-US" altLang="zh-CN" sz="1400" b="0" i="0" u="none" strike="noStrike" dirty="0" smtClean="0">
+                          <a:ln>
+                            <a:noFill/>
+                          </a:ln>
+                          <a:solidFill>
+                            <a:srgbClr val="000000"/>
+                          </a:solidFill>
+                          <a:effectLst/>
+                          <a:latin typeface="Arial" charset="0"/>
+                          <a:ea typeface="Arial" charset="0"/>
+                          <a:cs typeface="Arial" charset="0"/>
+                        </a:rPr>
+                        <a:t>of</a:t>
+                      </a:r>
+                      <a:r>
+                        <a:rPr lang="zh-CN" altLang="en-US" sz="1400" b="0" i="0" u="none" strike="noStrike" dirty="0" smtClean="0">
+                          <a:ln>
+                            <a:noFill/>
+                          </a:ln>
+                          <a:solidFill>
+                            <a:srgbClr val="000000"/>
+                          </a:solidFill>
+                          <a:effectLst/>
+                          <a:latin typeface="Arial" charset="0"/>
+                          <a:ea typeface="Arial" charset="0"/>
+                          <a:cs typeface="Arial" charset="0"/>
+                        </a:rPr>
+                        <a:t> </a:t>
+                      </a:r>
+                      <a:r>
+                        <a:rPr lang="en-US" altLang="zh-CN" sz="1400" b="0" i="0" u="none" strike="noStrike" dirty="0" smtClean="0">
+                          <a:ln>
+                            <a:noFill/>
+                          </a:ln>
+                          <a:solidFill>
+                            <a:srgbClr val="000000"/>
+                          </a:solidFill>
+                          <a:effectLst/>
+                          <a:latin typeface="Arial" charset="0"/>
+                          <a:ea typeface="Arial" charset="0"/>
+                          <a:cs typeface="Arial" charset="0"/>
+                        </a:rPr>
+                        <a:t>relative</a:t>
+                      </a:r>
+                      <a:r>
+                        <a:rPr lang="zh-CN" altLang="en-US" sz="1400" b="0" i="0" u="none" strike="noStrike" dirty="0" smtClean="0">
+                          <a:ln>
+                            <a:noFill/>
+                          </a:ln>
+                          <a:solidFill>
+                            <a:srgbClr val="000000"/>
+                          </a:solidFill>
+                          <a:effectLst/>
+                          <a:latin typeface="Arial" charset="0"/>
+                          <a:ea typeface="Arial" charset="0"/>
+                          <a:cs typeface="Arial" charset="0"/>
+                        </a:rPr>
+                        <a:t> </a:t>
+                      </a:r>
+                      <a:r>
+                        <a:rPr lang="en-US" altLang="zh-CN" sz="1400" b="0" i="0" u="none" strike="noStrike" dirty="0" smtClean="0">
+                          <a:ln>
+                            <a:noFill/>
+                          </a:ln>
+                          <a:solidFill>
+                            <a:srgbClr val="000000"/>
+                          </a:solidFill>
+                          <a:effectLst/>
+                          <a:latin typeface="Arial" charset="0"/>
+                          <a:ea typeface="Arial" charset="0"/>
+                          <a:cs typeface="Arial" charset="0"/>
+                        </a:rPr>
+                        <a:t>humidity[%]</a:t>
+                      </a:r>
+                      <a:endParaRPr lang="en-US" sz="1400" b="0" i="0" u="none" strike="noStrike" dirty="0">
+                        <a:ln>
+                          <a:noFill/>
+                        </a:ln>
+                        <a:solidFill>
+                          <a:srgbClr val="000000"/>
+                        </a:solidFill>
+                        <a:effectLst/>
+                        <a:latin typeface="Arial" charset="0"/>
+                        <a:ea typeface="Arial" charset="0"/>
+                        <a:cs typeface="Arial" charset="0"/>
+                      </a:endParaRPr>
+                    </a:p>
+                  </a:txBody>
+                  <a:tcPr marL="12700" marR="12700" marT="12700" marB="0" anchor="ctr">
+                    <a:lnL w="12700" cap="flat" cmpd="sng" algn="ctr">
+                      <a:solidFill>
+                        <a:schemeClr val="tx1"/>
+                      </a:solidFill>
+                      <a:prstDash val="solid"/>
+                      <a:round/>
+                      <a:headEnd type="none" w="med" len="med"/>
+                      <a:tailEnd type="none" w="med" len="med"/>
+                    </a:lnL>
+                    <a:lnR w="12700" cap="flat" cmpd="sng" algn="ctr">
+                      <a:solidFill>
+                        <a:schemeClr val="tx1"/>
+                      </a:solidFill>
+                      <a:prstDash val="solid"/>
+                      <a:round/>
+                      <a:headEnd type="none" w="med" len="med"/>
+                      <a:tailEnd type="none" w="med" len="med"/>
+                    </a:lnR>
+                    <a:lnT w="12700" cap="flat" cmpd="sng" algn="ctr">
+                      <a:solidFill>
+                        <a:schemeClr val="tx1"/>
+                      </a:solidFill>
+                      <a:prstDash val="solid"/>
+                      <a:round/>
+                      <a:headEnd type="none" w="med" len="med"/>
+                      <a:tailEnd type="none" w="med" len="med"/>
+                    </a:lnT>
+                    <a:lnB w="12700" cap="flat" cmpd="sng" algn="ctr">
+                      <a:solidFill>
+                        <a:schemeClr val="tx1"/>
+                      </a:solidFill>
+                      <a:prstDash val="solid"/>
+                      <a:round/>
+                      <a:headEnd type="none" w="med" len="med"/>
+                      <a:tailEnd type="none" w="med" len="med"/>
+                    </a:lnB>
+                    <a:solidFill>
+                      <a:schemeClr val="bg1"/>
+                    </a:solidFill>
+                  </a:tcPr>
+                </a:tc>
+              </a:tr>
+              <a:tr h="595398">
+                <a:tc>
+                  <a:txBody>
+                    <a:bodyPr/>
+                    <a:lstStyle/>
+                    <a:p>
+                      <a:pPr algn="ctr" fontAlgn="t"/>
+                      <a:r>
+                        <a:rPr lang="en-US" altLang="zh-CN" sz="1400" b="0" i="0" u="none" strike="noStrike" dirty="0" err="1" smtClean="0">
+                          <a:ln>
+                            <a:noFill/>
+                          </a:ln>
+                          <a:solidFill>
+                            <a:schemeClr val="dk1"/>
+                          </a:solidFill>
+                          <a:effectLst/>
+                          <a:latin typeface="Arial" charset="0"/>
+                          <a:ea typeface="Arial" charset="0"/>
+                          <a:cs typeface="Arial" charset="0"/>
+                        </a:rPr>
+                        <a:t>dayav_ta</a:t>
+                      </a:r>
+                      <a:endParaRPr lang="en-US" sz="1400" b="0" i="0" u="none" strike="noStrike" dirty="0">
+                        <a:ln>
+                          <a:noFill/>
+                        </a:ln>
+                        <a:solidFill>
+                          <a:srgbClr val="000000"/>
+                        </a:solidFill>
+                        <a:effectLst/>
+                        <a:latin typeface="Arial" charset="0"/>
+                        <a:ea typeface="Arial" charset="0"/>
+                        <a:cs typeface="Arial" charset="0"/>
+                      </a:endParaRPr>
+                    </a:p>
+                  </a:txBody>
+                  <a:tcPr marL="12700" marR="12700" marT="12700" marB="0" anchor="ctr">
+                    <a:lnL w="12700" cap="flat" cmpd="sng" algn="ctr">
+                      <a:solidFill>
+                        <a:schemeClr val="tx1"/>
+                      </a:solidFill>
+                      <a:prstDash val="solid"/>
+                      <a:round/>
+                      <a:headEnd type="none" w="med" len="med"/>
+                      <a:tailEnd type="none" w="med" len="med"/>
+                    </a:lnL>
+                    <a:lnR w="12700" cap="flat" cmpd="sng" algn="ctr">
+                      <a:solidFill>
+                        <a:schemeClr val="tx1"/>
+                      </a:solidFill>
+                      <a:prstDash val="solid"/>
+                      <a:round/>
+                      <a:headEnd type="none" w="med" len="med"/>
+                      <a:tailEnd type="none" w="med" len="med"/>
+                    </a:lnR>
+                    <a:lnT w="12700" cap="flat" cmpd="sng" algn="ctr">
+                      <a:solidFill>
+                        <a:schemeClr val="tx1"/>
+                      </a:solidFill>
+                      <a:prstDash val="solid"/>
+                      <a:round/>
+                      <a:headEnd type="none" w="med" len="med"/>
+                      <a:tailEnd type="none" w="med" len="med"/>
+                    </a:lnT>
+                    <a:lnB w="12700" cap="flat" cmpd="sng" algn="ctr">
+                      <a:solidFill>
+                        <a:schemeClr val="tx1"/>
+                      </a:solidFill>
+                      <a:prstDash val="solid"/>
+                      <a:round/>
+                      <a:headEnd type="none" w="med" len="med"/>
+                      <a:tailEnd type="none" w="med" len="med"/>
+                    </a:lnB>
+                    <a:solidFill>
+                      <a:schemeClr val="bg1"/>
+                    </a:solidFill>
+                  </a:tcPr>
+                </a:tc>
+                <a:tc>
+                  <a:txBody>
+                    <a:bodyPr/>
+                    <a:lstStyle/>
+                    <a:p>
+                      <a:pPr algn="ctr" fontAlgn="t"/>
+                      <a:r>
+                        <a:rPr lang="en-US" sz="1600" b="0" i="0" kern="1200" dirty="0" smtClean="0">
+                          <a:solidFill>
+                            <a:schemeClr val="dk1"/>
+                          </a:solidFill>
+                          <a:effectLst/>
+                          <a:latin typeface="+mn-lt"/>
+                          <a:ea typeface="+mn-ea"/>
+                          <a:cs typeface="+mn-cs"/>
+                        </a:rPr>
+                        <a:t>outdoor average of min/max air temp on day of survey [</a:t>
+                      </a:r>
+                      <a:r>
+                        <a:rPr lang="en-US" sz="1600" b="0" i="0" kern="1200" baseline="30000" dirty="0" err="1" smtClean="0">
+                          <a:solidFill>
+                            <a:schemeClr val="dk1"/>
+                          </a:solidFill>
+                          <a:effectLst/>
+                          <a:latin typeface="+mn-lt"/>
+                          <a:ea typeface="+mn-ea"/>
+                          <a:cs typeface="+mn-cs"/>
+                        </a:rPr>
+                        <a:t>o</a:t>
+                      </a:r>
+                      <a:r>
+                        <a:rPr lang="en-US" sz="1600" b="0" i="0" kern="1200" dirty="0" err="1" smtClean="0">
+                          <a:solidFill>
+                            <a:schemeClr val="dk1"/>
+                          </a:solidFill>
+                          <a:effectLst/>
+                          <a:latin typeface="+mn-lt"/>
+                          <a:ea typeface="+mn-ea"/>
+                          <a:cs typeface="+mn-cs"/>
+                        </a:rPr>
+                        <a:t>C</a:t>
+                      </a:r>
+                      <a:r>
+                        <a:rPr lang="en-US" sz="1600" b="0" i="0" kern="1200" dirty="0" smtClean="0">
+                          <a:solidFill>
+                            <a:schemeClr val="dk1"/>
+                          </a:solidFill>
+                          <a:effectLst/>
+                          <a:latin typeface="+mn-lt"/>
+                          <a:ea typeface="+mn-ea"/>
+                          <a:cs typeface="+mn-cs"/>
+                        </a:rPr>
+                        <a:t>]</a:t>
+                      </a:r>
+                      <a:endParaRPr lang="en-US" sz="1400" b="0" i="0" u="none" strike="noStrike" dirty="0">
+                        <a:ln>
+                          <a:noFill/>
+                        </a:ln>
+                        <a:solidFill>
+                          <a:srgbClr val="000000"/>
+                        </a:solidFill>
+                        <a:effectLst/>
+                        <a:latin typeface="Arial" charset="0"/>
+                        <a:ea typeface="Arial" charset="0"/>
+                        <a:cs typeface="Arial" charset="0"/>
+                      </a:endParaRPr>
+                    </a:p>
+                  </a:txBody>
+                  <a:tcPr marL="12700" marR="12700" marT="12700" marB="0" anchor="ctr">
+                    <a:lnL w="12700" cap="flat" cmpd="sng" algn="ctr">
+                      <a:solidFill>
+                        <a:schemeClr val="tx1"/>
+                      </a:solidFill>
+                      <a:prstDash val="solid"/>
+                      <a:round/>
+                      <a:headEnd type="none" w="med" len="med"/>
+                      <a:tailEnd type="none" w="med" len="med"/>
+                    </a:lnL>
+                    <a:lnR w="12700" cap="flat" cmpd="sng" algn="ctr">
+                      <a:solidFill>
+                        <a:schemeClr val="tx1"/>
+                      </a:solidFill>
+                      <a:prstDash val="solid"/>
+                      <a:round/>
+                      <a:headEnd type="none" w="med" len="med"/>
+                      <a:tailEnd type="none" w="med" len="med"/>
+                    </a:lnR>
+                    <a:lnT w="12700" cap="flat" cmpd="sng" algn="ctr">
+                      <a:solidFill>
+                        <a:schemeClr val="tx1"/>
+                      </a:solidFill>
+                      <a:prstDash val="solid"/>
+                      <a:round/>
+                      <a:headEnd type="none" w="med" len="med"/>
+                      <a:tailEnd type="none" w="med" len="med"/>
+                    </a:lnT>
+                    <a:lnB w="12700" cap="flat" cmpd="sng" algn="ctr">
+                      <a:solidFill>
+                        <a:schemeClr val="tx1"/>
+                      </a:solidFill>
+                      <a:prstDash val="solid"/>
+                      <a:round/>
+                      <a:headEnd type="none" w="med" len="med"/>
+                      <a:tailEnd type="none" w="med" len="med"/>
+                    </a:lnB>
+                    <a:solidFill>
+                      <a:schemeClr val="bg1"/>
+                    </a:solidFill>
+                  </a:tcPr>
+                </a:tc>
+              </a:tr>
+              <a:tr h="595398">
+                <a:tc>
+                  <a:txBody>
+                    <a:bodyPr/>
+                    <a:lstStyle/>
+                    <a:p>
+                      <a:pPr algn="ctr" fontAlgn="t"/>
+                      <a:r>
+                        <a:rPr lang="en-US" altLang="zh-CN" sz="1400" b="0" u="none" strike="noStrike" dirty="0" err="1" smtClean="0">
+                          <a:ln>
+                            <a:noFill/>
+                          </a:ln>
+                          <a:effectLst/>
+                          <a:latin typeface="Arial" charset="0"/>
+                          <a:ea typeface="Arial" charset="0"/>
+                          <a:cs typeface="Arial" charset="0"/>
+                        </a:rPr>
+                        <a:t>dayav_rh</a:t>
+                      </a:r>
+                      <a:endParaRPr lang="en-US" sz="1400" b="0" i="0" u="none" strike="noStrike" dirty="0">
+                        <a:ln>
+                          <a:noFill/>
+                        </a:ln>
+                        <a:solidFill>
+                          <a:srgbClr val="000000"/>
+                        </a:solidFill>
+                        <a:effectLst/>
+                        <a:latin typeface="Arial" charset="0"/>
+                        <a:ea typeface="Arial" charset="0"/>
+                        <a:cs typeface="Arial" charset="0"/>
+                      </a:endParaRPr>
+                    </a:p>
+                  </a:txBody>
+                  <a:tcPr marL="12700" marR="12700" marT="12700" marB="0" anchor="ctr">
+                    <a:lnL w="12700" cap="flat" cmpd="sng" algn="ctr">
+                      <a:solidFill>
+                        <a:schemeClr val="tx1"/>
+                      </a:solidFill>
+                      <a:prstDash val="solid"/>
+                      <a:round/>
+                      <a:headEnd type="none" w="med" len="med"/>
+                      <a:tailEnd type="none" w="med" len="med"/>
+                    </a:lnL>
+                    <a:lnR w="12700" cap="flat" cmpd="sng" algn="ctr">
+                      <a:solidFill>
+                        <a:schemeClr val="tx1"/>
+                      </a:solidFill>
+                      <a:prstDash val="solid"/>
+                      <a:round/>
+                      <a:headEnd type="none" w="med" len="med"/>
+                      <a:tailEnd type="none" w="med" len="med"/>
+                    </a:lnR>
+                    <a:lnT w="12700" cap="flat" cmpd="sng" algn="ctr">
+                      <a:solidFill>
+                        <a:schemeClr val="tx1"/>
+                      </a:solidFill>
+                      <a:prstDash val="solid"/>
+                      <a:round/>
+                      <a:headEnd type="none" w="med" len="med"/>
+                      <a:tailEnd type="none" w="med" len="med"/>
+                    </a:lnT>
+                    <a:lnB w="12700" cap="flat" cmpd="sng" algn="ctr">
+                      <a:solidFill>
+                        <a:schemeClr val="tx1"/>
+                      </a:solidFill>
+                      <a:prstDash val="solid"/>
+                      <a:round/>
+                      <a:headEnd type="none" w="med" len="med"/>
+                      <a:tailEnd type="none" w="med" len="med"/>
+                    </a:lnB>
+                    <a:solidFill>
+                      <a:schemeClr val="bg1"/>
+                    </a:solidFill>
+                  </a:tcPr>
+                </a:tc>
+                <a:tc>
+                  <a:txBody>
+                    <a:bodyPr/>
+                    <a:lstStyle/>
+                    <a:p>
+                      <a:pPr algn="ctr" fontAlgn="t"/>
+                      <a:r>
+                        <a:rPr lang="en-US" sz="1600" b="0" i="0" kern="1200" dirty="0" smtClean="0">
+                          <a:solidFill>
+                            <a:schemeClr val="dk1"/>
+                          </a:solidFill>
+                          <a:effectLst/>
+                          <a:latin typeface="+mn-lt"/>
+                          <a:ea typeface="+mn-ea"/>
+                          <a:cs typeface="+mn-cs"/>
+                        </a:rPr>
+                        <a:t>outdoor average min/max </a:t>
+                      </a:r>
+                      <a:r>
+                        <a:rPr lang="en-US" sz="1600" b="0" i="0" kern="1200" dirty="0" err="1" smtClean="0">
+                          <a:solidFill>
+                            <a:schemeClr val="dk1"/>
+                          </a:solidFill>
+                          <a:effectLst/>
+                          <a:latin typeface="+mn-lt"/>
+                          <a:ea typeface="+mn-ea"/>
+                          <a:cs typeface="+mn-cs"/>
+                        </a:rPr>
+                        <a:t>rel</a:t>
+                      </a:r>
+                      <a:r>
+                        <a:rPr lang="en-US" sz="1600" b="0" i="0" kern="1200" dirty="0" smtClean="0">
+                          <a:solidFill>
+                            <a:schemeClr val="dk1"/>
+                          </a:solidFill>
+                          <a:effectLst/>
+                          <a:latin typeface="+mn-lt"/>
+                          <a:ea typeface="+mn-ea"/>
+                          <a:cs typeface="+mn-cs"/>
+                        </a:rPr>
+                        <a:t> humid on day of survey [%]</a:t>
+                      </a:r>
+                      <a:endParaRPr lang="en-US" sz="1400" b="0" i="0" u="none" strike="noStrike" dirty="0">
+                        <a:ln>
+                          <a:noFill/>
+                        </a:ln>
+                        <a:solidFill>
+                          <a:srgbClr val="000000"/>
+                        </a:solidFill>
+                        <a:effectLst/>
+                        <a:latin typeface="Arial" charset="0"/>
+                        <a:ea typeface="Arial" charset="0"/>
+                        <a:cs typeface="Arial" charset="0"/>
+                      </a:endParaRPr>
+                    </a:p>
+                  </a:txBody>
+                  <a:tcPr marL="12700" marR="12700" marT="12700" marB="0" anchor="ctr">
+                    <a:lnL w="12700" cap="flat" cmpd="sng" algn="ctr">
+                      <a:solidFill>
+                        <a:schemeClr val="tx1"/>
+                      </a:solidFill>
+                      <a:prstDash val="solid"/>
+                      <a:round/>
+                      <a:headEnd type="none" w="med" len="med"/>
+                      <a:tailEnd type="none" w="med" len="med"/>
+                    </a:lnL>
+                    <a:lnR w="12700" cap="flat" cmpd="sng" algn="ctr">
+                      <a:solidFill>
+                        <a:schemeClr val="tx1"/>
+                      </a:solidFill>
+                      <a:prstDash val="solid"/>
+                      <a:round/>
+                      <a:headEnd type="none" w="med" len="med"/>
+                      <a:tailEnd type="none" w="med" len="med"/>
+                    </a:lnR>
+                    <a:lnT w="12700" cap="flat" cmpd="sng" algn="ctr">
+                      <a:solidFill>
+                        <a:schemeClr val="tx1"/>
+                      </a:solidFill>
+                      <a:prstDash val="solid"/>
+                      <a:round/>
+                      <a:headEnd type="none" w="med" len="med"/>
+                      <a:tailEnd type="none" w="med" len="med"/>
+                    </a:lnT>
+                    <a:lnB w="12700" cap="flat" cmpd="sng" algn="ctr">
+                      <a:solidFill>
+                        <a:schemeClr val="tx1"/>
+                      </a:solidFill>
+                      <a:prstDash val="solid"/>
+                      <a:round/>
+                      <a:headEnd type="none" w="med" len="med"/>
+                      <a:tailEnd type="none" w="med" len="med"/>
+                    </a:lnB>
+                    <a:solidFill>
+                      <a:schemeClr val="bg1"/>
+                    </a:solidFill>
+                  </a:tcPr>
+                </a:tc>
+              </a:tr>
             </a:tbl>
           </a:graphicData>
         </a:graphic>
@@ -4702,7 +5721,7 @@
     </p:spTree>
     <p:extLst>
       <p:ext uri="{BB962C8B-B14F-4D97-AF65-F5344CB8AC3E}">
-        <p14:creationId xmlns:p14="http://schemas.microsoft.com/office/powerpoint/2010/main" val="380484232"/>
+        <p14:creationId xmlns:p14="http://schemas.microsoft.com/office/powerpoint/2010/main" val="1782425922"/>
       </p:ext>
     </p:extLst>
   </p:cSld>
